--- a/ppt/基礎篇2_R語言的基礎概念.pptx
+++ b/ppt/基礎篇2_R語言的基礎概念.pptx
@@ -8,48 +8,50 @@
     <p:sldId id="256" r:id="rId2"/>
     <p:sldId id="309" r:id="rId3"/>
     <p:sldId id="283" r:id="rId4"/>
-    <p:sldId id="258" r:id="rId5"/>
-    <p:sldId id="284" r:id="rId6"/>
-    <p:sldId id="285" r:id="rId7"/>
-    <p:sldId id="286" r:id="rId8"/>
-    <p:sldId id="287" r:id="rId9"/>
-    <p:sldId id="288" r:id="rId10"/>
-    <p:sldId id="289" r:id="rId11"/>
-    <p:sldId id="290" r:id="rId12"/>
-    <p:sldId id="291" r:id="rId13"/>
-    <p:sldId id="262" r:id="rId14"/>
-    <p:sldId id="275" r:id="rId15"/>
+    <p:sldId id="311" r:id="rId5"/>
+    <p:sldId id="258" r:id="rId6"/>
+    <p:sldId id="284" r:id="rId7"/>
+    <p:sldId id="310" r:id="rId8"/>
+    <p:sldId id="285" r:id="rId9"/>
+    <p:sldId id="286" r:id="rId10"/>
+    <p:sldId id="287" r:id="rId11"/>
+    <p:sldId id="288" r:id="rId12"/>
+    <p:sldId id="289" r:id="rId13"/>
+    <p:sldId id="290" r:id="rId14"/>
+    <p:sldId id="291" r:id="rId15"/>
     <p:sldId id="264" r:id="rId16"/>
     <p:sldId id="292" r:id="rId17"/>
     <p:sldId id="293" r:id="rId18"/>
     <p:sldId id="294" r:id="rId19"/>
     <p:sldId id="295" r:id="rId20"/>
     <p:sldId id="296" r:id="rId21"/>
-    <p:sldId id="265" r:id="rId22"/>
-    <p:sldId id="277" r:id="rId23"/>
-    <p:sldId id="297" r:id="rId24"/>
-    <p:sldId id="298" r:id="rId25"/>
-    <p:sldId id="299" r:id="rId26"/>
-    <p:sldId id="300" r:id="rId27"/>
-    <p:sldId id="301" r:id="rId28"/>
-    <p:sldId id="278" r:id="rId29"/>
-    <p:sldId id="302" r:id="rId30"/>
-    <p:sldId id="303" r:id="rId31"/>
-    <p:sldId id="279" r:id="rId32"/>
-    <p:sldId id="280" r:id="rId33"/>
-    <p:sldId id="304" r:id="rId34"/>
-    <p:sldId id="266" r:id="rId35"/>
-    <p:sldId id="267" r:id="rId36"/>
-    <p:sldId id="268" r:id="rId37"/>
-    <p:sldId id="305" r:id="rId38"/>
-    <p:sldId id="281" r:id="rId39"/>
-    <p:sldId id="282" r:id="rId40"/>
-    <p:sldId id="269" r:id="rId41"/>
-    <p:sldId id="270" r:id="rId42"/>
-    <p:sldId id="306" r:id="rId43"/>
-    <p:sldId id="307" r:id="rId44"/>
-    <p:sldId id="308" r:id="rId45"/>
-    <p:sldId id="271" r:id="rId46"/>
+    <p:sldId id="262" r:id="rId22"/>
+    <p:sldId id="275" r:id="rId23"/>
+    <p:sldId id="265" r:id="rId24"/>
+    <p:sldId id="277" r:id="rId25"/>
+    <p:sldId id="297" r:id="rId26"/>
+    <p:sldId id="298" r:id="rId27"/>
+    <p:sldId id="299" r:id="rId28"/>
+    <p:sldId id="300" r:id="rId29"/>
+    <p:sldId id="301" r:id="rId30"/>
+    <p:sldId id="278" r:id="rId31"/>
+    <p:sldId id="302" r:id="rId32"/>
+    <p:sldId id="303" r:id="rId33"/>
+    <p:sldId id="279" r:id="rId34"/>
+    <p:sldId id="280" r:id="rId35"/>
+    <p:sldId id="304" r:id="rId36"/>
+    <p:sldId id="266" r:id="rId37"/>
+    <p:sldId id="267" r:id="rId38"/>
+    <p:sldId id="268" r:id="rId39"/>
+    <p:sldId id="305" r:id="rId40"/>
+    <p:sldId id="281" r:id="rId41"/>
+    <p:sldId id="282" r:id="rId42"/>
+    <p:sldId id="269" r:id="rId43"/>
+    <p:sldId id="270" r:id="rId44"/>
+    <p:sldId id="306" r:id="rId45"/>
+    <p:sldId id="307" r:id="rId46"/>
+    <p:sldId id="308" r:id="rId47"/>
+    <p:sldId id="271" r:id="rId48"/>
   </p:sldIdLst>
   <p:sldSz cx="12192000" cy="6858000"/>
   <p:notesSz cx="6858000" cy="9144000"/>
@@ -303,7 +305,7 @@
           <a:p>
             <a:fld id="{9449D47F-9350-4D75-8BE7-C25999CDD34D}" type="datetimeFigureOut">
               <a:rPr lang="zh-TW" altLang="en-US" smtClean="0"/>
-              <a:t>2023/8/20</a:t>
+              <a:t>2023/9/20</a:t>
             </a:fld>
             <a:endParaRPr lang="zh-TW" altLang="en-US"/>
           </a:p>
@@ -501,7 +503,7 @@
           <a:p>
             <a:fld id="{9449D47F-9350-4D75-8BE7-C25999CDD34D}" type="datetimeFigureOut">
               <a:rPr lang="zh-TW" altLang="en-US" smtClean="0"/>
-              <a:t>2023/8/20</a:t>
+              <a:t>2023/9/20</a:t>
             </a:fld>
             <a:endParaRPr lang="zh-TW" altLang="en-US"/>
           </a:p>
@@ -709,7 +711,7 @@
           <a:p>
             <a:fld id="{9449D47F-9350-4D75-8BE7-C25999CDD34D}" type="datetimeFigureOut">
               <a:rPr lang="zh-TW" altLang="en-US" smtClean="0"/>
-              <a:t>2023/8/20</a:t>
+              <a:t>2023/9/20</a:t>
             </a:fld>
             <a:endParaRPr lang="zh-TW" altLang="en-US"/>
           </a:p>
@@ -907,7 +909,7 @@
           <a:p>
             <a:fld id="{9449D47F-9350-4D75-8BE7-C25999CDD34D}" type="datetimeFigureOut">
               <a:rPr lang="zh-TW" altLang="en-US" smtClean="0"/>
-              <a:t>2023/8/20</a:t>
+              <a:t>2023/9/20</a:t>
             </a:fld>
             <a:endParaRPr lang="zh-TW" altLang="en-US"/>
           </a:p>
@@ -1182,7 +1184,7 @@
           <a:p>
             <a:fld id="{9449D47F-9350-4D75-8BE7-C25999CDD34D}" type="datetimeFigureOut">
               <a:rPr lang="zh-TW" altLang="en-US" smtClean="0"/>
-              <a:t>2023/8/20</a:t>
+              <a:t>2023/9/20</a:t>
             </a:fld>
             <a:endParaRPr lang="zh-TW" altLang="en-US"/>
           </a:p>
@@ -1447,7 +1449,7 @@
           <a:p>
             <a:fld id="{9449D47F-9350-4D75-8BE7-C25999CDD34D}" type="datetimeFigureOut">
               <a:rPr lang="zh-TW" altLang="en-US" smtClean="0"/>
-              <a:t>2023/8/20</a:t>
+              <a:t>2023/9/20</a:t>
             </a:fld>
             <a:endParaRPr lang="zh-TW" altLang="en-US"/>
           </a:p>
@@ -1859,7 +1861,7 @@
           <a:p>
             <a:fld id="{9449D47F-9350-4D75-8BE7-C25999CDD34D}" type="datetimeFigureOut">
               <a:rPr lang="zh-TW" altLang="en-US" smtClean="0"/>
-              <a:t>2023/8/20</a:t>
+              <a:t>2023/9/20</a:t>
             </a:fld>
             <a:endParaRPr lang="zh-TW" altLang="en-US"/>
           </a:p>
@@ -2000,7 +2002,7 @@
           <a:p>
             <a:fld id="{9449D47F-9350-4D75-8BE7-C25999CDD34D}" type="datetimeFigureOut">
               <a:rPr lang="zh-TW" altLang="en-US" smtClean="0"/>
-              <a:t>2023/8/20</a:t>
+              <a:t>2023/9/20</a:t>
             </a:fld>
             <a:endParaRPr lang="zh-TW" altLang="en-US"/>
           </a:p>
@@ -2113,7 +2115,7 @@
           <a:p>
             <a:fld id="{9449D47F-9350-4D75-8BE7-C25999CDD34D}" type="datetimeFigureOut">
               <a:rPr lang="zh-TW" altLang="en-US" smtClean="0"/>
-              <a:t>2023/8/20</a:t>
+              <a:t>2023/9/20</a:t>
             </a:fld>
             <a:endParaRPr lang="zh-TW" altLang="en-US"/>
           </a:p>
@@ -2424,7 +2426,7 @@
           <a:p>
             <a:fld id="{9449D47F-9350-4D75-8BE7-C25999CDD34D}" type="datetimeFigureOut">
               <a:rPr lang="zh-TW" altLang="en-US" smtClean="0"/>
-              <a:t>2023/8/20</a:t>
+              <a:t>2023/9/20</a:t>
             </a:fld>
             <a:endParaRPr lang="zh-TW" altLang="en-US"/>
           </a:p>
@@ -2712,7 +2714,7 @@
           <a:p>
             <a:fld id="{9449D47F-9350-4D75-8BE7-C25999CDD34D}" type="datetimeFigureOut">
               <a:rPr lang="zh-TW" altLang="en-US" smtClean="0"/>
-              <a:t>2023/8/20</a:t>
+              <a:t>2023/9/20</a:t>
             </a:fld>
             <a:endParaRPr lang="zh-TW" altLang="en-US"/>
           </a:p>
@@ -2953,7 +2955,7 @@
           <a:p>
             <a:fld id="{9449D47F-9350-4D75-8BE7-C25999CDD34D}" type="datetimeFigureOut">
               <a:rPr lang="zh-TW" altLang="en-US" smtClean="0"/>
-              <a:t>2023/8/20</a:t>
+              <a:t>2023/9/20</a:t>
             </a:fld>
             <a:endParaRPr lang="zh-TW" altLang="en-US"/>
           </a:p>
@@ -3467,6 +3469,495 @@
       </p:grpSpPr>
       <p:sp>
         <p:nvSpPr>
+          <p:cNvPr id="2" name="標題 1">
+            <a:extLst>
+              <a:ext uri="{FF2B5EF4-FFF2-40B4-BE49-F238E27FC236}">
+                <a16:creationId xmlns:a16="http://schemas.microsoft.com/office/drawing/2014/main" id="{111FB3C0-37D9-4E29-9BAD-9DC1DA32531E}"/>
+              </a:ext>
+            </a:extLst>
+          </p:cNvPr>
+          <p:cNvSpPr>
+            <a:spLocks noGrp="1"/>
+          </p:cNvSpPr>
+          <p:nvPr>
+            <p:ph type="title"/>
+          </p:nvPr>
+        </p:nvSpPr>
+        <p:spPr/>
+        <p:txBody>
+          <a:bodyPr/>
+          <a:lstStyle/>
+          <a:p>
+            <a:r>
+              <a:rPr lang="zh-TW" altLang="en-US" b="1" i="0" dirty="0">
+                <a:solidFill>
+                  <a:srgbClr val="333333"/>
+                </a:solidFill>
+                <a:effectLst/>
+                <a:latin typeface="Helvetica Neue"/>
+              </a:rPr>
+              <a:t> 查詢顯示物件與刪除物件</a:t>
+            </a:r>
+            <a:endParaRPr lang="zh-TW" altLang="en-US" dirty="0"/>
+          </a:p>
+        </p:txBody>
+      </p:sp>
+      <p:sp>
+        <p:nvSpPr>
+          <p:cNvPr id="3" name="內容版面配置區 2">
+            <a:extLst>
+              <a:ext uri="{FF2B5EF4-FFF2-40B4-BE49-F238E27FC236}">
+                <a16:creationId xmlns:a16="http://schemas.microsoft.com/office/drawing/2014/main" id="{2F4B6586-B8B2-4966-A4BD-9383A37EB0BA}"/>
+              </a:ext>
+            </a:extLst>
+          </p:cNvPr>
+          <p:cNvSpPr>
+            <a:spLocks noGrp="1"/>
+          </p:cNvSpPr>
+          <p:nvPr>
+            <p:ph idx="1"/>
+          </p:nvPr>
+        </p:nvSpPr>
+        <p:spPr>
+          <a:xfrm>
+            <a:off x="838200" y="1825625"/>
+            <a:ext cx="5140569" cy="4351338"/>
+          </a:xfrm>
+        </p:spPr>
+        <p:txBody>
+          <a:bodyPr/>
+          <a:lstStyle/>
+          <a:p>
+            <a:pPr marL="0" indent="0">
+              <a:buNone/>
+            </a:pPr>
+            <a:r>
+              <a:rPr lang="zh-TW" altLang="en-US" b="0" i="0" dirty="0">
+                <a:solidFill>
+                  <a:srgbClr val="333333"/>
+                </a:solidFill>
+                <a:effectLst/>
+                <a:latin typeface="Helvetica Neue"/>
+              </a:rPr>
+              <a:t>在我們已經指派了某個變項後，此時他會暫存</a:t>
+            </a:r>
+            <a:r>
+              <a:rPr lang="en-US" altLang="zh-TW" b="0" i="0" dirty="0">
+                <a:solidFill>
+                  <a:srgbClr val="333333"/>
+                </a:solidFill>
+                <a:effectLst/>
+                <a:latin typeface="Helvetica Neue"/>
+              </a:rPr>
+              <a:t>R</a:t>
+            </a:r>
+            <a:r>
+              <a:rPr lang="zh-TW" altLang="en-US" b="0" i="0" dirty="0">
+                <a:solidFill>
+                  <a:srgbClr val="333333"/>
+                </a:solidFill>
+                <a:effectLst/>
+                <a:latin typeface="Helvetica Neue"/>
+              </a:rPr>
+              <a:t>語言的環境當中， </a:t>
+            </a:r>
+            <a:endParaRPr lang="en-US" altLang="zh-TW" b="0" i="0" dirty="0">
+              <a:solidFill>
+                <a:srgbClr val="333333"/>
+              </a:solidFill>
+              <a:effectLst/>
+              <a:latin typeface="Helvetica Neue"/>
+            </a:endParaRPr>
+          </a:p>
+          <a:p>
+            <a:endParaRPr lang="en-US" altLang="zh-TW" dirty="0">
+              <a:solidFill>
+                <a:srgbClr val="333333"/>
+              </a:solidFill>
+              <a:latin typeface="Helvetica Neue"/>
+            </a:endParaRPr>
+          </a:p>
+          <a:p>
+            <a:pPr marL="0" indent="0">
+              <a:buNone/>
+            </a:pPr>
+            <a:r>
+              <a:rPr lang="zh-TW" altLang="en-US" b="0" i="0" dirty="0">
+                <a:solidFill>
+                  <a:srgbClr val="333333"/>
+                </a:solidFill>
+                <a:effectLst/>
+                <a:latin typeface="Helvetica Neue"/>
+              </a:rPr>
+              <a:t>在此我們先重新指派</a:t>
+            </a:r>
+            <a:r>
+              <a:rPr lang="en-US" altLang="zh-TW" b="0" i="0" dirty="0">
+                <a:solidFill>
+                  <a:srgbClr val="333333"/>
+                </a:solidFill>
+                <a:effectLst/>
+                <a:latin typeface="Helvetica Neue"/>
+              </a:rPr>
+              <a:t>a</a:t>
+            </a:r>
+            <a:r>
+              <a:rPr lang="zh-TW" altLang="en-US" b="0" i="0" dirty="0">
+                <a:solidFill>
+                  <a:srgbClr val="333333"/>
+                </a:solidFill>
+                <a:effectLst/>
+                <a:latin typeface="Helvetica Neue"/>
+              </a:rPr>
+              <a:t>、</a:t>
+            </a:r>
+            <a:r>
+              <a:rPr lang="en-US" altLang="zh-TW" b="0" i="0" dirty="0">
+                <a:solidFill>
+                  <a:srgbClr val="333333"/>
+                </a:solidFill>
+                <a:effectLst/>
+                <a:latin typeface="Helvetica Neue"/>
+              </a:rPr>
+              <a:t>b</a:t>
+            </a:r>
+            <a:r>
+              <a:rPr lang="zh-TW" altLang="en-US" b="0" i="0" dirty="0">
+                <a:solidFill>
+                  <a:srgbClr val="333333"/>
+                </a:solidFill>
+                <a:effectLst/>
+                <a:latin typeface="Helvetica Neue"/>
+              </a:rPr>
+              <a:t>、</a:t>
+            </a:r>
+            <a:r>
+              <a:rPr lang="en-US" altLang="zh-TW" b="0" i="0" dirty="0">
+                <a:solidFill>
+                  <a:srgbClr val="333333"/>
+                </a:solidFill>
+                <a:effectLst/>
+                <a:latin typeface="Helvetica Neue"/>
+              </a:rPr>
+              <a:t>c</a:t>
+            </a:r>
+          </a:p>
+          <a:p>
+            <a:endParaRPr lang="en-US" altLang="zh-TW" dirty="0">
+              <a:solidFill>
+                <a:srgbClr val="333333"/>
+              </a:solidFill>
+              <a:latin typeface="Helvetica Neue"/>
+            </a:endParaRPr>
+          </a:p>
+          <a:p>
+            <a:pPr marL="0" indent="0">
+              <a:buNone/>
+            </a:pPr>
+            <a:r>
+              <a:rPr lang="en-US" altLang="zh-TW" b="0" i="0" dirty="0">
+                <a:solidFill>
+                  <a:srgbClr val="333333"/>
+                </a:solidFill>
+                <a:effectLst/>
+                <a:latin typeface="Helvetica Neue"/>
+              </a:rPr>
+              <a:t>(</a:t>
+            </a:r>
+            <a:r>
+              <a:rPr lang="zh-TW" altLang="en-US" b="0" i="0" dirty="0">
+                <a:solidFill>
+                  <a:srgbClr val="333333"/>
+                </a:solidFill>
+                <a:effectLst/>
+                <a:latin typeface="Helvetica Neue"/>
+              </a:rPr>
+              <a:t>注意，相同變項名稱，後續指派會取代前面指派的</a:t>
+            </a:r>
+            <a:r>
+              <a:rPr lang="en-US" altLang="zh-TW" b="0" i="0" dirty="0">
+                <a:solidFill>
+                  <a:srgbClr val="333333"/>
+                </a:solidFill>
+                <a:effectLst/>
+                <a:latin typeface="Helvetica Neue"/>
+              </a:rPr>
+              <a:t>)</a:t>
+            </a:r>
+            <a:r>
+              <a:rPr lang="zh-TW" altLang="en-US" b="0" i="0" dirty="0">
+                <a:solidFill>
+                  <a:srgbClr val="333333"/>
+                </a:solidFill>
+                <a:effectLst/>
+                <a:latin typeface="Helvetica Neue"/>
+              </a:rPr>
+              <a:t>。</a:t>
+            </a:r>
+            <a:endParaRPr lang="zh-TW" altLang="en-US" dirty="0"/>
+          </a:p>
+        </p:txBody>
+      </p:sp>
+      <p:pic>
+        <p:nvPicPr>
+          <p:cNvPr id="5" name="圖片 4">
+            <a:extLst>
+              <a:ext uri="{FF2B5EF4-FFF2-40B4-BE49-F238E27FC236}">
+                <a16:creationId xmlns:a16="http://schemas.microsoft.com/office/drawing/2014/main" id="{8C4193FC-1CE1-438E-AC86-6F932D2BDA32}"/>
+              </a:ext>
+            </a:extLst>
+          </p:cNvPr>
+          <p:cNvPicPr>
+            <a:picLocks noChangeAspect="1"/>
+          </p:cNvPicPr>
+          <p:nvPr/>
+        </p:nvPicPr>
+        <p:blipFill>
+          <a:blip r:embed="rId2"/>
+          <a:stretch>
+            <a:fillRect/>
+          </a:stretch>
+        </p:blipFill>
+        <p:spPr>
+          <a:xfrm>
+            <a:off x="7114233" y="1476501"/>
+            <a:ext cx="2448624" cy="1952499"/>
+          </a:xfrm>
+          <a:prstGeom prst="rect">
+            <a:avLst/>
+          </a:prstGeom>
+        </p:spPr>
+      </p:pic>
+      <p:pic>
+        <p:nvPicPr>
+          <p:cNvPr id="7" name="圖片 6">
+            <a:extLst>
+              <a:ext uri="{FF2B5EF4-FFF2-40B4-BE49-F238E27FC236}">
+                <a16:creationId xmlns:a16="http://schemas.microsoft.com/office/drawing/2014/main" id="{4E2E09A9-F9A9-4002-BC40-CEB2E1B81CEB}"/>
+              </a:ext>
+            </a:extLst>
+          </p:cNvPr>
+          <p:cNvPicPr>
+            <a:picLocks noChangeAspect="1"/>
+          </p:cNvPicPr>
+          <p:nvPr/>
+        </p:nvPicPr>
+        <p:blipFill>
+          <a:blip r:embed="rId3"/>
+          <a:stretch>
+            <a:fillRect/>
+          </a:stretch>
+        </p:blipFill>
+        <p:spPr>
+          <a:xfrm>
+            <a:off x="7114233" y="3621478"/>
+            <a:ext cx="3788229" cy="2871397"/>
+          </a:xfrm>
+          <a:prstGeom prst="rect">
+            <a:avLst/>
+          </a:prstGeom>
+        </p:spPr>
+      </p:pic>
+    </p:spTree>
+    <p:extLst>
+      <p:ext uri="{BB962C8B-B14F-4D97-AF65-F5344CB8AC3E}">
+        <p14:creationId xmlns:p14="http://schemas.microsoft.com/office/powerpoint/2010/main" val="3795764564"/>
+      </p:ext>
+    </p:extLst>
+  </p:cSld>
+  <p:clrMapOvr>
+    <a:masterClrMapping/>
+  </p:clrMapOvr>
+</p:sld>
+</file>
+
+<file path=ppt/slides/slide11.xml><?xml version="1.0" encoding="utf-8"?>
+<p:sld xmlns:a="http://schemas.openxmlformats.org/drawingml/2006/main" xmlns:r="http://schemas.openxmlformats.org/officeDocument/2006/relationships" xmlns:p="http://schemas.openxmlformats.org/presentationml/2006/main">
+  <p:cSld>
+    <p:spTree>
+      <p:nvGrpSpPr>
+        <p:cNvPr id="1" name=""/>
+        <p:cNvGrpSpPr/>
+        <p:nvPr/>
+      </p:nvGrpSpPr>
+      <p:grpSpPr>
+        <a:xfrm>
+          <a:off x="0" y="0"/>
+          <a:ext cx="0" cy="0"/>
+          <a:chOff x="0" y="0"/>
+          <a:chExt cx="0" cy="0"/>
+        </a:xfrm>
+      </p:grpSpPr>
+      <p:sp>
+        <p:nvSpPr>
+          <p:cNvPr id="3" name="內容版面配置區 2">
+            <a:extLst>
+              <a:ext uri="{FF2B5EF4-FFF2-40B4-BE49-F238E27FC236}">
+                <a16:creationId xmlns:a16="http://schemas.microsoft.com/office/drawing/2014/main" id="{314F9072-2AA9-48FA-8278-683F0C8AE19A}"/>
+              </a:ext>
+            </a:extLst>
+          </p:cNvPr>
+          <p:cNvSpPr>
+            <a:spLocks noGrp="1"/>
+          </p:cNvSpPr>
+          <p:nvPr>
+            <p:ph idx="1"/>
+          </p:nvPr>
+        </p:nvSpPr>
+        <p:spPr>
+          <a:xfrm>
+            <a:off x="657330" y="1001660"/>
+            <a:ext cx="10265229" cy="1419568"/>
+          </a:xfrm>
+        </p:spPr>
+        <p:txBody>
+          <a:bodyPr>
+            <a:normAutofit/>
+          </a:bodyPr>
+          <a:lstStyle/>
+          <a:p>
+            <a:r>
+              <a:rPr lang="zh-TW" altLang="en-US" dirty="0"/>
+              <a:t>若是我們想要查看</a:t>
+            </a:r>
+            <a:r>
+              <a:rPr lang="en-US" altLang="zh-TW" dirty="0"/>
+              <a:t>/</a:t>
+            </a:r>
+            <a:r>
+              <a:rPr lang="zh-TW" altLang="en-US" dirty="0"/>
+              <a:t>輸出「</a:t>
+            </a:r>
+            <a:r>
+              <a:rPr lang="en-US" altLang="zh-TW" dirty="0"/>
+              <a:t>a</a:t>
+            </a:r>
+            <a:r>
+              <a:rPr lang="zh-TW" altLang="en-US" dirty="0"/>
+              <a:t>」當中的內容，可以直接打物件名稱或著用</a:t>
+            </a:r>
+            <a:r>
+              <a:rPr lang="en-US" altLang="zh-TW" dirty="0"/>
+              <a:t>print()</a:t>
+            </a:r>
+            <a:r>
+              <a:rPr lang="zh-TW" altLang="en-US" dirty="0"/>
+              <a:t>函數輸出。</a:t>
+            </a:r>
+            <a:endParaRPr lang="en-US" altLang="zh-TW" dirty="0"/>
+          </a:p>
+          <a:p>
+            <a:pPr marL="0" indent="0">
+              <a:buNone/>
+            </a:pPr>
+            <a:r>
+              <a:rPr lang="en-US" altLang="zh-TW" dirty="0"/>
+              <a:t>(</a:t>
+            </a:r>
+            <a:r>
+              <a:rPr lang="zh-TW" altLang="en-US" dirty="0"/>
+              <a:t>物件名稱與變項名稱兩者通用，在本講義中會交替使用</a:t>
+            </a:r>
+            <a:r>
+              <a:rPr lang="en-US" altLang="zh-TW" dirty="0"/>
+              <a:t>)</a:t>
+            </a:r>
+            <a:endParaRPr lang="zh-TW" altLang="en-US" dirty="0"/>
+          </a:p>
+        </p:txBody>
+      </p:sp>
+      <p:pic>
+        <p:nvPicPr>
+          <p:cNvPr id="6" name="圖片 5">
+            <a:extLst>
+              <a:ext uri="{FF2B5EF4-FFF2-40B4-BE49-F238E27FC236}">
+                <a16:creationId xmlns:a16="http://schemas.microsoft.com/office/drawing/2014/main" id="{8E497E8C-2FED-4DD0-B412-A8C65270CD65}"/>
+              </a:ext>
+            </a:extLst>
+          </p:cNvPr>
+          <p:cNvPicPr>
+            <a:picLocks noChangeAspect="1"/>
+          </p:cNvPicPr>
+          <p:nvPr/>
+        </p:nvPicPr>
+        <p:blipFill>
+          <a:blip r:embed="rId2"/>
+          <a:stretch>
+            <a:fillRect/>
+          </a:stretch>
+        </p:blipFill>
+        <p:spPr>
+          <a:xfrm>
+            <a:off x="958781" y="2623756"/>
+            <a:ext cx="3151055" cy="3431147"/>
+          </a:xfrm>
+          <a:prstGeom prst="rect">
+            <a:avLst/>
+          </a:prstGeom>
+        </p:spPr>
+      </p:pic>
+      <p:pic>
+        <p:nvPicPr>
+          <p:cNvPr id="8" name="圖片 7">
+            <a:extLst>
+              <a:ext uri="{FF2B5EF4-FFF2-40B4-BE49-F238E27FC236}">
+                <a16:creationId xmlns:a16="http://schemas.microsoft.com/office/drawing/2014/main" id="{72009DB5-6537-41BE-B992-4EDD0B847672}"/>
+              </a:ext>
+            </a:extLst>
+          </p:cNvPr>
+          <p:cNvPicPr>
+            <a:picLocks noChangeAspect="1"/>
+          </p:cNvPicPr>
+          <p:nvPr/>
+        </p:nvPicPr>
+        <p:blipFill>
+          <a:blip r:embed="rId3"/>
+          <a:stretch>
+            <a:fillRect/>
+          </a:stretch>
+        </p:blipFill>
+        <p:spPr>
+          <a:xfrm>
+            <a:off x="5209302" y="2712318"/>
+            <a:ext cx="4889291" cy="3254022"/>
+          </a:xfrm>
+          <a:prstGeom prst="rect">
+            <a:avLst/>
+          </a:prstGeom>
+        </p:spPr>
+      </p:pic>
+    </p:spTree>
+    <p:extLst>
+      <p:ext uri="{BB962C8B-B14F-4D97-AF65-F5344CB8AC3E}">
+        <p14:creationId xmlns:p14="http://schemas.microsoft.com/office/powerpoint/2010/main" val="1444134170"/>
+      </p:ext>
+    </p:extLst>
+  </p:cSld>
+  <p:clrMapOvr>
+    <a:masterClrMapping/>
+  </p:clrMapOvr>
+</p:sld>
+</file>
+
+<file path=ppt/slides/slide12.xml><?xml version="1.0" encoding="utf-8"?>
+<p:sld xmlns:a="http://schemas.openxmlformats.org/drawingml/2006/main" xmlns:r="http://schemas.openxmlformats.org/officeDocument/2006/relationships" xmlns:p="http://schemas.openxmlformats.org/presentationml/2006/main">
+  <p:cSld>
+    <p:spTree>
+      <p:nvGrpSpPr>
+        <p:cNvPr id="1" name=""/>
+        <p:cNvGrpSpPr/>
+        <p:nvPr/>
+      </p:nvGrpSpPr>
+      <p:grpSpPr>
+        <a:xfrm>
+          <a:off x="0" y="0"/>
+          <a:ext cx="0" cy="0"/>
+          <a:chOff x="0" y="0"/>
+          <a:chExt cx="0" cy="0"/>
+        </a:xfrm>
+      </p:grpSpPr>
+      <p:sp>
+        <p:nvSpPr>
           <p:cNvPr id="3" name="內容版面配置區 2">
             <a:extLst>
               <a:ext uri="{FF2B5EF4-FFF2-40B4-BE49-F238E27FC236}">
@@ -3587,7 +4078,7 @@
 </p:sld>
 </file>
 
-<file path=ppt/slides/slide11.xml><?xml version="1.0" encoding="utf-8"?>
+<file path=ppt/slides/slide13.xml><?xml version="1.0" encoding="utf-8"?>
 <p:sld xmlns:a="http://schemas.openxmlformats.org/drawingml/2006/main" xmlns:r="http://schemas.openxmlformats.org/officeDocument/2006/relationships" xmlns:p="http://schemas.openxmlformats.org/presentationml/2006/main">
   <p:cSld>
     <p:spTree>
@@ -3826,7 +4317,7 @@
 </p:sld>
 </file>
 
-<file path=ppt/slides/slide12.xml><?xml version="1.0" encoding="utf-8"?>
+<file path=ppt/slides/slide14.xml><?xml version="1.0" encoding="utf-8"?>
 <p:sld xmlns:a="http://schemas.openxmlformats.org/drawingml/2006/main" xmlns:r="http://schemas.openxmlformats.org/officeDocument/2006/relationships" xmlns:p="http://schemas.openxmlformats.org/presentationml/2006/main">
   <p:cSld>
     <p:spTree>
@@ -4164,333 +4655,6 @@
     <p:extLst>
       <p:ext uri="{BB962C8B-B14F-4D97-AF65-F5344CB8AC3E}">
         <p14:creationId xmlns:p14="http://schemas.microsoft.com/office/powerpoint/2010/main" val="696471653"/>
-      </p:ext>
-    </p:extLst>
-  </p:cSld>
-  <p:clrMapOvr>
-    <a:masterClrMapping/>
-  </p:clrMapOvr>
-</p:sld>
-</file>
-
-<file path=ppt/slides/slide13.xml><?xml version="1.0" encoding="utf-8"?>
-<p:sld xmlns:a="http://schemas.openxmlformats.org/drawingml/2006/main" xmlns:r="http://schemas.openxmlformats.org/officeDocument/2006/relationships" xmlns:p="http://schemas.openxmlformats.org/presentationml/2006/main">
-  <p:cSld>
-    <p:spTree>
-      <p:nvGrpSpPr>
-        <p:cNvPr id="1" name=""/>
-        <p:cNvGrpSpPr/>
-        <p:nvPr/>
-      </p:nvGrpSpPr>
-      <p:grpSpPr>
-        <a:xfrm>
-          <a:off x="0" y="0"/>
-          <a:ext cx="0" cy="0"/>
-          <a:chOff x="0" y="0"/>
-          <a:chExt cx="0" cy="0"/>
-        </a:xfrm>
-      </p:grpSpPr>
-      <p:sp>
-        <p:nvSpPr>
-          <p:cNvPr id="2" name="標題 1">
-            <a:extLst>
-              <a:ext uri="{FF2B5EF4-FFF2-40B4-BE49-F238E27FC236}">
-                <a16:creationId xmlns:a16="http://schemas.microsoft.com/office/drawing/2014/main" id="{E1B452CF-5350-41A2-9F93-8F70A80FE906}"/>
-              </a:ext>
-            </a:extLst>
-          </p:cNvPr>
-          <p:cNvSpPr>
-            <a:spLocks noGrp="1"/>
-          </p:cNvSpPr>
-          <p:nvPr>
-            <p:ph type="title"/>
-          </p:nvPr>
-        </p:nvSpPr>
-        <p:spPr/>
-        <p:txBody>
-          <a:bodyPr/>
-          <a:lstStyle/>
-          <a:p>
-            <a:r>
-              <a:rPr lang="zh-TW" altLang="en-US" b="1" dirty="0"/>
-              <a:t>基本運算</a:t>
-            </a:r>
-            <a:endParaRPr lang="zh-TW" altLang="en-US" dirty="0"/>
-          </a:p>
-        </p:txBody>
-      </p:sp>
-      <p:sp>
-        <p:nvSpPr>
-          <p:cNvPr id="3" name="內容版面配置區 2">
-            <a:extLst>
-              <a:ext uri="{FF2B5EF4-FFF2-40B4-BE49-F238E27FC236}">
-                <a16:creationId xmlns:a16="http://schemas.microsoft.com/office/drawing/2014/main" id="{9D99FD3C-FEA3-4D62-8152-B3B71E51F91F}"/>
-              </a:ext>
-            </a:extLst>
-          </p:cNvPr>
-          <p:cNvSpPr>
-            <a:spLocks noGrp="1"/>
-          </p:cNvSpPr>
-          <p:nvPr>
-            <p:ph idx="1"/>
-          </p:nvPr>
-        </p:nvSpPr>
-        <p:spPr>
-          <a:xfrm>
-            <a:off x="838200" y="1825625"/>
-            <a:ext cx="6095163" cy="4351338"/>
-          </a:xfrm>
-        </p:spPr>
-        <p:txBody>
-          <a:bodyPr/>
-          <a:lstStyle/>
-          <a:p>
-            <a:pPr marL="0" indent="0">
-              <a:buNone/>
-            </a:pPr>
-            <a:r>
-              <a:rPr lang="zh-TW" altLang="en-US" dirty="0"/>
-              <a:t>以下介紹簡單的運算方式，另外還有很多其他函數可以做基礎或進階的數學換算或運算，若有需要使用到可自行查找</a:t>
-            </a:r>
-            <a:endParaRPr lang="en-US" altLang="zh-TW" dirty="0"/>
-          </a:p>
-          <a:p>
-            <a:endParaRPr lang="en-US" altLang="zh-TW" dirty="0"/>
-          </a:p>
-          <a:p>
-            <a:r>
-              <a:rPr lang="zh-TW" altLang="en-US" sz="3600" b="1" dirty="0"/>
-              <a:t>數學基本運算</a:t>
-            </a:r>
-          </a:p>
-        </p:txBody>
-      </p:sp>
-      <p:pic>
-        <p:nvPicPr>
-          <p:cNvPr id="4" name="圖片 3">
-            <a:extLst>
-              <a:ext uri="{FF2B5EF4-FFF2-40B4-BE49-F238E27FC236}">
-                <a16:creationId xmlns:a16="http://schemas.microsoft.com/office/drawing/2014/main" id="{27E8FD5B-EF5A-4729-B449-0D06F3A5340B}"/>
-              </a:ext>
-            </a:extLst>
-          </p:cNvPr>
-          <p:cNvPicPr>
-            <a:picLocks noChangeAspect="1"/>
-          </p:cNvPicPr>
-          <p:nvPr/>
-        </p:nvPicPr>
-        <p:blipFill>
-          <a:blip r:embed="rId3"/>
-          <a:stretch>
-            <a:fillRect/>
-          </a:stretch>
-        </p:blipFill>
-        <p:spPr>
-          <a:xfrm>
-            <a:off x="1209989" y="4736788"/>
-            <a:ext cx="3479930" cy="1651191"/>
-          </a:xfrm>
-          <a:prstGeom prst="rect">
-            <a:avLst/>
-          </a:prstGeom>
-        </p:spPr>
-      </p:pic>
-      <p:pic>
-        <p:nvPicPr>
-          <p:cNvPr id="5" name="圖片 4">
-            <a:extLst>
-              <a:ext uri="{FF2B5EF4-FFF2-40B4-BE49-F238E27FC236}">
-                <a16:creationId xmlns:a16="http://schemas.microsoft.com/office/drawing/2014/main" id="{58951E9B-98CA-415B-8C68-54B30A691358}"/>
-              </a:ext>
-            </a:extLst>
-          </p:cNvPr>
-          <p:cNvPicPr>
-            <a:picLocks noChangeAspect="1"/>
-          </p:cNvPicPr>
-          <p:nvPr/>
-        </p:nvPicPr>
-        <p:blipFill>
-          <a:blip r:embed="rId4"/>
-          <a:stretch>
-            <a:fillRect/>
-          </a:stretch>
-        </p:blipFill>
-        <p:spPr>
-          <a:xfrm>
-            <a:off x="7388448" y="745366"/>
-            <a:ext cx="3697794" cy="5747509"/>
-          </a:xfrm>
-          <a:prstGeom prst="rect">
-            <a:avLst/>
-          </a:prstGeom>
-        </p:spPr>
-      </p:pic>
-    </p:spTree>
-    <p:custDataLst>
-      <p:tags r:id="rId1"/>
-    </p:custDataLst>
-    <p:extLst>
-      <p:ext uri="{BB962C8B-B14F-4D97-AF65-F5344CB8AC3E}">
-        <p14:creationId xmlns:p14="http://schemas.microsoft.com/office/powerpoint/2010/main" val="2471121191"/>
-      </p:ext>
-    </p:extLst>
-  </p:cSld>
-  <p:clrMapOvr>
-    <a:masterClrMapping/>
-  </p:clrMapOvr>
-</p:sld>
-</file>
-
-<file path=ppt/slides/slide14.xml><?xml version="1.0" encoding="utf-8"?>
-<p:sld xmlns:a="http://schemas.openxmlformats.org/drawingml/2006/main" xmlns:r="http://schemas.openxmlformats.org/officeDocument/2006/relationships" xmlns:p="http://schemas.openxmlformats.org/presentationml/2006/main">
-  <p:cSld>
-    <p:spTree>
-      <p:nvGrpSpPr>
-        <p:cNvPr id="1" name=""/>
-        <p:cNvGrpSpPr/>
-        <p:nvPr/>
-      </p:nvGrpSpPr>
-      <p:grpSpPr>
-        <a:xfrm>
-          <a:off x="0" y="0"/>
-          <a:ext cx="0" cy="0"/>
-          <a:chOff x="0" y="0"/>
-          <a:chExt cx="0" cy="0"/>
-        </a:xfrm>
-      </p:grpSpPr>
-      <p:sp>
-        <p:nvSpPr>
-          <p:cNvPr id="2" name="標題 1">
-            <a:extLst>
-              <a:ext uri="{FF2B5EF4-FFF2-40B4-BE49-F238E27FC236}">
-                <a16:creationId xmlns:a16="http://schemas.microsoft.com/office/drawing/2014/main" id="{26315561-863C-411A-8729-EB16B122DB6B}"/>
-              </a:ext>
-            </a:extLst>
-          </p:cNvPr>
-          <p:cNvSpPr>
-            <a:spLocks noGrp="1"/>
-          </p:cNvSpPr>
-          <p:nvPr>
-            <p:ph type="title"/>
-          </p:nvPr>
-        </p:nvSpPr>
-        <p:spPr>
-          <a:xfrm>
-            <a:off x="976906" y="842915"/>
-            <a:ext cx="2148131" cy="825112"/>
-          </a:xfrm>
-        </p:spPr>
-        <p:txBody>
-          <a:bodyPr>
-            <a:normAutofit/>
-          </a:bodyPr>
-          <a:lstStyle/>
-          <a:p>
-            <a:r>
-              <a:rPr lang="zh-TW" altLang="en-US" sz="3600" b="1" dirty="0"/>
-              <a:t>邏輯運算</a:t>
-            </a:r>
-            <a:endParaRPr lang="zh-TW" altLang="en-US" sz="3600" dirty="0"/>
-          </a:p>
-        </p:txBody>
-      </p:sp>
-      <p:pic>
-        <p:nvPicPr>
-          <p:cNvPr id="7" name="圖片 6">
-            <a:extLst>
-              <a:ext uri="{FF2B5EF4-FFF2-40B4-BE49-F238E27FC236}">
-                <a16:creationId xmlns:a16="http://schemas.microsoft.com/office/drawing/2014/main" id="{201DF17E-3166-4ED6-ADA4-09B1B1F98906}"/>
-              </a:ext>
-            </a:extLst>
-          </p:cNvPr>
-          <p:cNvPicPr>
-            <a:picLocks noChangeAspect="1"/>
-          </p:cNvPicPr>
-          <p:nvPr/>
-        </p:nvPicPr>
-        <p:blipFill>
-          <a:blip r:embed="rId3"/>
-          <a:stretch>
-            <a:fillRect/>
-          </a:stretch>
-        </p:blipFill>
-        <p:spPr>
-          <a:xfrm>
-            <a:off x="730771" y="3211664"/>
-            <a:ext cx="3479930" cy="1651191"/>
-          </a:xfrm>
-          <a:prstGeom prst="rect">
-            <a:avLst/>
-          </a:prstGeom>
-        </p:spPr>
-      </p:pic>
-      <p:pic>
-        <p:nvPicPr>
-          <p:cNvPr id="4" name="圖片 3">
-            <a:extLst>
-              <a:ext uri="{FF2B5EF4-FFF2-40B4-BE49-F238E27FC236}">
-                <a16:creationId xmlns:a16="http://schemas.microsoft.com/office/drawing/2014/main" id="{38EB2520-98D6-4745-81BA-C47DBB945D0D}"/>
-              </a:ext>
-            </a:extLst>
-          </p:cNvPr>
-          <p:cNvPicPr>
-            <a:picLocks noChangeAspect="1"/>
-          </p:cNvPicPr>
-          <p:nvPr/>
-        </p:nvPicPr>
-        <p:blipFill>
-          <a:blip r:embed="rId4"/>
-          <a:stretch>
-            <a:fillRect/>
-          </a:stretch>
-        </p:blipFill>
-        <p:spPr>
-          <a:xfrm>
-            <a:off x="4810792" y="316267"/>
-            <a:ext cx="5729927" cy="3375849"/>
-          </a:xfrm>
-          <a:prstGeom prst="rect">
-            <a:avLst/>
-          </a:prstGeom>
-        </p:spPr>
-      </p:pic>
-      <p:pic>
-        <p:nvPicPr>
-          <p:cNvPr id="9" name="圖片 8">
-            <a:extLst>
-              <a:ext uri="{FF2B5EF4-FFF2-40B4-BE49-F238E27FC236}">
-                <a16:creationId xmlns:a16="http://schemas.microsoft.com/office/drawing/2014/main" id="{175B319D-226B-42C8-BAF8-D9DDBDAA5B88}"/>
-              </a:ext>
-            </a:extLst>
-          </p:cNvPr>
-          <p:cNvPicPr>
-            <a:picLocks noChangeAspect="1"/>
-          </p:cNvPicPr>
-          <p:nvPr/>
-        </p:nvPicPr>
-        <p:blipFill>
-          <a:blip r:embed="rId5"/>
-          <a:stretch>
-            <a:fillRect/>
-          </a:stretch>
-        </p:blipFill>
-        <p:spPr>
-          <a:xfrm>
-            <a:off x="4810792" y="3891480"/>
-            <a:ext cx="3284010" cy="2650253"/>
-          </a:xfrm>
-          <a:prstGeom prst="rect">
-            <a:avLst/>
-          </a:prstGeom>
-        </p:spPr>
-      </p:pic>
-    </p:spTree>
-    <p:custDataLst>
-      <p:tags r:id="rId1"/>
-    </p:custDataLst>
-    <p:extLst>
-      <p:ext uri="{BB962C8B-B14F-4D97-AF65-F5344CB8AC3E}">
-        <p14:creationId xmlns:p14="http://schemas.microsoft.com/office/powerpoint/2010/main" val="2318132495"/>
       </p:ext>
     </p:extLst>
   </p:cSld>
@@ -6296,14 +6460,16 @@
           <a:p>
             <a:r>
               <a:rPr lang="zh-TW" altLang="en-US" dirty="0"/>
+              <a:t>資料型態</a:t>
+            </a:r>
+            <a:endParaRPr lang="en-US" altLang="zh-TW" dirty="0"/>
+          </a:p>
+          <a:p>
+            <a:r>
+              <a:rPr lang="zh-TW" altLang="en-US"/>
               <a:t>基本運算</a:t>
             </a:r>
-          </a:p>
-          <a:p>
-            <a:r>
-              <a:rPr lang="zh-TW" altLang="en-US" dirty="0"/>
-              <a:t>資料型態</a:t>
-            </a:r>
+            <a:endParaRPr lang="zh-TW" altLang="en-US" dirty="0"/>
           </a:p>
           <a:p>
             <a:r>
@@ -6600,6 +6766,333 @@
           <a:p>
             <a:r>
               <a:rPr lang="zh-TW" altLang="en-US" b="1" dirty="0"/>
+              <a:t>基本運算</a:t>
+            </a:r>
+            <a:endParaRPr lang="zh-TW" altLang="en-US" dirty="0"/>
+          </a:p>
+        </p:txBody>
+      </p:sp>
+      <p:sp>
+        <p:nvSpPr>
+          <p:cNvPr id="3" name="內容版面配置區 2">
+            <a:extLst>
+              <a:ext uri="{FF2B5EF4-FFF2-40B4-BE49-F238E27FC236}">
+                <a16:creationId xmlns:a16="http://schemas.microsoft.com/office/drawing/2014/main" id="{9D99FD3C-FEA3-4D62-8152-B3B71E51F91F}"/>
+              </a:ext>
+            </a:extLst>
+          </p:cNvPr>
+          <p:cNvSpPr>
+            <a:spLocks noGrp="1"/>
+          </p:cNvSpPr>
+          <p:nvPr>
+            <p:ph idx="1"/>
+          </p:nvPr>
+        </p:nvSpPr>
+        <p:spPr>
+          <a:xfrm>
+            <a:off x="838200" y="1825625"/>
+            <a:ext cx="6095163" cy="4351338"/>
+          </a:xfrm>
+        </p:spPr>
+        <p:txBody>
+          <a:bodyPr/>
+          <a:lstStyle/>
+          <a:p>
+            <a:pPr marL="0" indent="0">
+              <a:buNone/>
+            </a:pPr>
+            <a:r>
+              <a:rPr lang="zh-TW" altLang="en-US" dirty="0"/>
+              <a:t>以下介紹簡單的運算方式，另外還有很多其他函數可以做基礎或進階的數學換算或運算，若有需要使用到可自行查找</a:t>
+            </a:r>
+            <a:endParaRPr lang="en-US" altLang="zh-TW" dirty="0"/>
+          </a:p>
+          <a:p>
+            <a:endParaRPr lang="en-US" altLang="zh-TW" dirty="0"/>
+          </a:p>
+          <a:p>
+            <a:r>
+              <a:rPr lang="zh-TW" altLang="en-US" sz="3600" b="1" dirty="0"/>
+              <a:t>數學基本運算</a:t>
+            </a:r>
+          </a:p>
+        </p:txBody>
+      </p:sp>
+      <p:pic>
+        <p:nvPicPr>
+          <p:cNvPr id="4" name="圖片 3">
+            <a:extLst>
+              <a:ext uri="{FF2B5EF4-FFF2-40B4-BE49-F238E27FC236}">
+                <a16:creationId xmlns:a16="http://schemas.microsoft.com/office/drawing/2014/main" id="{27E8FD5B-EF5A-4729-B449-0D06F3A5340B}"/>
+              </a:ext>
+            </a:extLst>
+          </p:cNvPr>
+          <p:cNvPicPr>
+            <a:picLocks noChangeAspect="1"/>
+          </p:cNvPicPr>
+          <p:nvPr/>
+        </p:nvPicPr>
+        <p:blipFill>
+          <a:blip r:embed="rId3"/>
+          <a:stretch>
+            <a:fillRect/>
+          </a:stretch>
+        </p:blipFill>
+        <p:spPr>
+          <a:xfrm>
+            <a:off x="1209989" y="4736788"/>
+            <a:ext cx="3479930" cy="1651191"/>
+          </a:xfrm>
+          <a:prstGeom prst="rect">
+            <a:avLst/>
+          </a:prstGeom>
+        </p:spPr>
+      </p:pic>
+      <p:pic>
+        <p:nvPicPr>
+          <p:cNvPr id="5" name="圖片 4">
+            <a:extLst>
+              <a:ext uri="{FF2B5EF4-FFF2-40B4-BE49-F238E27FC236}">
+                <a16:creationId xmlns:a16="http://schemas.microsoft.com/office/drawing/2014/main" id="{58951E9B-98CA-415B-8C68-54B30A691358}"/>
+              </a:ext>
+            </a:extLst>
+          </p:cNvPr>
+          <p:cNvPicPr>
+            <a:picLocks noChangeAspect="1"/>
+          </p:cNvPicPr>
+          <p:nvPr/>
+        </p:nvPicPr>
+        <p:blipFill>
+          <a:blip r:embed="rId4"/>
+          <a:stretch>
+            <a:fillRect/>
+          </a:stretch>
+        </p:blipFill>
+        <p:spPr>
+          <a:xfrm>
+            <a:off x="7388448" y="745366"/>
+            <a:ext cx="3697794" cy="5747509"/>
+          </a:xfrm>
+          <a:prstGeom prst="rect">
+            <a:avLst/>
+          </a:prstGeom>
+        </p:spPr>
+      </p:pic>
+    </p:spTree>
+    <p:custDataLst>
+      <p:tags r:id="rId1"/>
+    </p:custDataLst>
+    <p:extLst>
+      <p:ext uri="{BB962C8B-B14F-4D97-AF65-F5344CB8AC3E}">
+        <p14:creationId xmlns:p14="http://schemas.microsoft.com/office/powerpoint/2010/main" val="2265470715"/>
+      </p:ext>
+    </p:extLst>
+  </p:cSld>
+  <p:clrMapOvr>
+    <a:masterClrMapping/>
+  </p:clrMapOvr>
+</p:sld>
+</file>
+
+<file path=ppt/slides/slide22.xml><?xml version="1.0" encoding="utf-8"?>
+<p:sld xmlns:a="http://schemas.openxmlformats.org/drawingml/2006/main" xmlns:r="http://schemas.openxmlformats.org/officeDocument/2006/relationships" xmlns:p="http://schemas.openxmlformats.org/presentationml/2006/main">
+  <p:cSld>
+    <p:spTree>
+      <p:nvGrpSpPr>
+        <p:cNvPr id="1" name=""/>
+        <p:cNvGrpSpPr/>
+        <p:nvPr/>
+      </p:nvGrpSpPr>
+      <p:grpSpPr>
+        <a:xfrm>
+          <a:off x="0" y="0"/>
+          <a:ext cx="0" cy="0"/>
+          <a:chOff x="0" y="0"/>
+          <a:chExt cx="0" cy="0"/>
+        </a:xfrm>
+      </p:grpSpPr>
+      <p:sp>
+        <p:nvSpPr>
+          <p:cNvPr id="2" name="標題 1">
+            <a:extLst>
+              <a:ext uri="{FF2B5EF4-FFF2-40B4-BE49-F238E27FC236}">
+                <a16:creationId xmlns:a16="http://schemas.microsoft.com/office/drawing/2014/main" id="{26315561-863C-411A-8729-EB16B122DB6B}"/>
+              </a:ext>
+            </a:extLst>
+          </p:cNvPr>
+          <p:cNvSpPr>
+            <a:spLocks noGrp="1"/>
+          </p:cNvSpPr>
+          <p:nvPr>
+            <p:ph type="title"/>
+          </p:nvPr>
+        </p:nvSpPr>
+        <p:spPr>
+          <a:xfrm>
+            <a:off x="976906" y="842915"/>
+            <a:ext cx="2148131" cy="825112"/>
+          </a:xfrm>
+        </p:spPr>
+        <p:txBody>
+          <a:bodyPr>
+            <a:normAutofit/>
+          </a:bodyPr>
+          <a:lstStyle/>
+          <a:p>
+            <a:r>
+              <a:rPr lang="zh-TW" altLang="en-US" sz="3600" b="1" dirty="0"/>
+              <a:t>邏輯運算</a:t>
+            </a:r>
+            <a:endParaRPr lang="zh-TW" altLang="en-US" sz="3600" dirty="0"/>
+          </a:p>
+        </p:txBody>
+      </p:sp>
+      <p:pic>
+        <p:nvPicPr>
+          <p:cNvPr id="7" name="圖片 6">
+            <a:extLst>
+              <a:ext uri="{FF2B5EF4-FFF2-40B4-BE49-F238E27FC236}">
+                <a16:creationId xmlns:a16="http://schemas.microsoft.com/office/drawing/2014/main" id="{201DF17E-3166-4ED6-ADA4-09B1B1F98906}"/>
+              </a:ext>
+            </a:extLst>
+          </p:cNvPr>
+          <p:cNvPicPr>
+            <a:picLocks noChangeAspect="1"/>
+          </p:cNvPicPr>
+          <p:nvPr/>
+        </p:nvPicPr>
+        <p:blipFill>
+          <a:blip r:embed="rId3"/>
+          <a:stretch>
+            <a:fillRect/>
+          </a:stretch>
+        </p:blipFill>
+        <p:spPr>
+          <a:xfrm>
+            <a:off x="730771" y="3211664"/>
+            <a:ext cx="3479930" cy="1651191"/>
+          </a:xfrm>
+          <a:prstGeom prst="rect">
+            <a:avLst/>
+          </a:prstGeom>
+        </p:spPr>
+      </p:pic>
+      <p:pic>
+        <p:nvPicPr>
+          <p:cNvPr id="4" name="圖片 3">
+            <a:extLst>
+              <a:ext uri="{FF2B5EF4-FFF2-40B4-BE49-F238E27FC236}">
+                <a16:creationId xmlns:a16="http://schemas.microsoft.com/office/drawing/2014/main" id="{38EB2520-98D6-4745-81BA-C47DBB945D0D}"/>
+              </a:ext>
+            </a:extLst>
+          </p:cNvPr>
+          <p:cNvPicPr>
+            <a:picLocks noChangeAspect="1"/>
+          </p:cNvPicPr>
+          <p:nvPr/>
+        </p:nvPicPr>
+        <p:blipFill>
+          <a:blip r:embed="rId4"/>
+          <a:stretch>
+            <a:fillRect/>
+          </a:stretch>
+        </p:blipFill>
+        <p:spPr>
+          <a:xfrm>
+            <a:off x="4810792" y="316267"/>
+            <a:ext cx="5729927" cy="3375849"/>
+          </a:xfrm>
+          <a:prstGeom prst="rect">
+            <a:avLst/>
+          </a:prstGeom>
+        </p:spPr>
+      </p:pic>
+      <p:pic>
+        <p:nvPicPr>
+          <p:cNvPr id="9" name="圖片 8">
+            <a:extLst>
+              <a:ext uri="{FF2B5EF4-FFF2-40B4-BE49-F238E27FC236}">
+                <a16:creationId xmlns:a16="http://schemas.microsoft.com/office/drawing/2014/main" id="{175B319D-226B-42C8-BAF8-D9DDBDAA5B88}"/>
+              </a:ext>
+            </a:extLst>
+          </p:cNvPr>
+          <p:cNvPicPr>
+            <a:picLocks noChangeAspect="1"/>
+          </p:cNvPicPr>
+          <p:nvPr/>
+        </p:nvPicPr>
+        <p:blipFill>
+          <a:blip r:embed="rId5"/>
+          <a:stretch>
+            <a:fillRect/>
+          </a:stretch>
+        </p:blipFill>
+        <p:spPr>
+          <a:xfrm>
+            <a:off x="4810792" y="3891480"/>
+            <a:ext cx="3284010" cy="2650253"/>
+          </a:xfrm>
+          <a:prstGeom prst="rect">
+            <a:avLst/>
+          </a:prstGeom>
+        </p:spPr>
+      </p:pic>
+    </p:spTree>
+    <p:custDataLst>
+      <p:tags r:id="rId1"/>
+    </p:custDataLst>
+    <p:extLst>
+      <p:ext uri="{BB962C8B-B14F-4D97-AF65-F5344CB8AC3E}">
+        <p14:creationId xmlns:p14="http://schemas.microsoft.com/office/powerpoint/2010/main" val="2318132495"/>
+      </p:ext>
+    </p:extLst>
+  </p:cSld>
+  <p:clrMapOvr>
+    <a:masterClrMapping/>
+  </p:clrMapOvr>
+</p:sld>
+</file>
+
+<file path=ppt/slides/slide23.xml><?xml version="1.0" encoding="utf-8"?>
+<p:sld xmlns:a="http://schemas.openxmlformats.org/drawingml/2006/main" xmlns:r="http://schemas.openxmlformats.org/officeDocument/2006/relationships" xmlns:p="http://schemas.openxmlformats.org/presentationml/2006/main">
+  <p:cSld>
+    <p:spTree>
+      <p:nvGrpSpPr>
+        <p:cNvPr id="1" name=""/>
+        <p:cNvGrpSpPr/>
+        <p:nvPr/>
+      </p:nvGrpSpPr>
+      <p:grpSpPr>
+        <a:xfrm>
+          <a:off x="0" y="0"/>
+          <a:ext cx="0" cy="0"/>
+          <a:chOff x="0" y="0"/>
+          <a:chExt cx="0" cy="0"/>
+        </a:xfrm>
+      </p:grpSpPr>
+      <p:sp>
+        <p:nvSpPr>
+          <p:cNvPr id="2" name="標題 1">
+            <a:extLst>
+              <a:ext uri="{FF2B5EF4-FFF2-40B4-BE49-F238E27FC236}">
+                <a16:creationId xmlns:a16="http://schemas.microsoft.com/office/drawing/2014/main" id="{E1B452CF-5350-41A2-9F93-8F70A80FE906}"/>
+              </a:ext>
+            </a:extLst>
+          </p:cNvPr>
+          <p:cNvSpPr>
+            <a:spLocks noGrp="1"/>
+          </p:cNvSpPr>
+          <p:nvPr>
+            <p:ph type="title"/>
+          </p:nvPr>
+        </p:nvSpPr>
+        <p:spPr/>
+        <p:txBody>
+          <a:bodyPr/>
+          <a:lstStyle/>
+          <a:p>
+            <a:r>
+              <a:rPr lang="zh-TW" altLang="en-US" b="1" dirty="0"/>
               <a:t>資料結構</a:t>
             </a:r>
             <a:r>
@@ -6746,7 +7239,7 @@
 </p:sld>
 </file>
 
-<file path=ppt/slides/slide22.xml><?xml version="1.0" encoding="utf-8"?>
+<file path=ppt/slides/slide24.xml><?xml version="1.0" encoding="utf-8"?>
 <p:sld xmlns:a="http://schemas.openxmlformats.org/drawingml/2006/main" xmlns:r="http://schemas.openxmlformats.org/officeDocument/2006/relationships" xmlns:p="http://schemas.openxmlformats.org/presentationml/2006/main">
   <p:cSld>
     <p:spTree>
@@ -6924,7 +7417,7 @@
 </p:sld>
 </file>
 
-<file path=ppt/slides/slide23.xml><?xml version="1.0" encoding="utf-8"?>
+<file path=ppt/slides/slide25.xml><?xml version="1.0" encoding="utf-8"?>
 <p:sld xmlns:a="http://schemas.openxmlformats.org/drawingml/2006/main" xmlns:r="http://schemas.openxmlformats.org/officeDocument/2006/relationships" xmlns:p="http://schemas.openxmlformats.org/presentationml/2006/main">
   <p:cSld>
     <p:spTree>
@@ -7131,7 +7624,7 @@
 </p:sld>
 </file>
 
-<file path=ppt/slides/slide24.xml><?xml version="1.0" encoding="utf-8"?>
+<file path=ppt/slides/slide26.xml><?xml version="1.0" encoding="utf-8"?>
 <p:sld xmlns:a="http://schemas.openxmlformats.org/drawingml/2006/main" xmlns:r="http://schemas.openxmlformats.org/officeDocument/2006/relationships" xmlns:p="http://schemas.openxmlformats.org/presentationml/2006/main">
   <p:cSld>
     <p:spTree>
@@ -7445,7 +7938,7 @@
 </p:sld>
 </file>
 
-<file path=ppt/slides/slide25.xml><?xml version="1.0" encoding="utf-8"?>
+<file path=ppt/slides/slide27.xml><?xml version="1.0" encoding="utf-8"?>
 <p:sld xmlns:a="http://schemas.openxmlformats.org/drawingml/2006/main" xmlns:r="http://schemas.openxmlformats.org/officeDocument/2006/relationships" xmlns:p="http://schemas.openxmlformats.org/presentationml/2006/main">
   <p:cSld>
     <p:spTree>
@@ -7629,7 +8122,7 @@
 </p:sld>
 </file>
 
-<file path=ppt/slides/slide26.xml><?xml version="1.0" encoding="utf-8"?>
+<file path=ppt/slides/slide28.xml><?xml version="1.0" encoding="utf-8"?>
 <p:sld xmlns:a="http://schemas.openxmlformats.org/drawingml/2006/main" xmlns:r="http://schemas.openxmlformats.org/officeDocument/2006/relationships" xmlns:p="http://schemas.openxmlformats.org/presentationml/2006/main">
   <p:cSld>
     <p:spTree>
@@ -7729,7 +8222,7 @@
 </p:sld>
 </file>
 
-<file path=ppt/slides/slide27.xml><?xml version="1.0" encoding="utf-8"?>
+<file path=ppt/slides/slide29.xml><?xml version="1.0" encoding="utf-8"?>
 <p:sld xmlns:a="http://schemas.openxmlformats.org/drawingml/2006/main" xmlns:r="http://schemas.openxmlformats.org/officeDocument/2006/relationships" xmlns:p="http://schemas.openxmlformats.org/presentationml/2006/main">
   <p:cSld>
     <p:spTree>
@@ -7770,7 +8263,7 @@
         </p:blipFill>
         <p:spPr>
           <a:xfrm>
-            <a:off x="852792" y="2090057"/>
+            <a:off x="762640" y="2682485"/>
             <a:ext cx="6563571" cy="3637503"/>
           </a:xfrm>
         </p:spPr>
@@ -7792,7 +8285,7 @@
         <p:spPr>
           <a:xfrm>
             <a:off x="556846" y="830838"/>
-            <a:ext cx="10515600" cy="1118543"/>
+            <a:ext cx="10515600" cy="1732058"/>
           </a:xfrm>
           <a:prstGeom prst="rect">
             <a:avLst/>
@@ -8037,6 +8530,68 @@
               </a:rPr>
               <a:t>時被自動當成缺失值</a:t>
             </a:r>
+            <a:endParaRPr lang="en-US" altLang="zh-TW" b="0" i="0" dirty="0">
+              <a:solidFill>
+                <a:srgbClr val="333333"/>
+              </a:solidFill>
+              <a:effectLst/>
+              <a:latin typeface="Helvetica Neue"/>
+            </a:endParaRPr>
+          </a:p>
+          <a:p>
+            <a:pPr marL="0" indent="0">
+              <a:buNone/>
+            </a:pPr>
+            <a:r>
+              <a:rPr lang="en-US" altLang="zh-TW" b="0" i="0" dirty="0">
+                <a:solidFill>
+                  <a:srgbClr val="333333"/>
+                </a:solidFill>
+                <a:effectLst/>
+                <a:latin typeface="Helvetica Neue"/>
+              </a:rPr>
+              <a:t>(R</a:t>
+            </a:r>
+            <a:r>
+              <a:rPr lang="zh-TW" altLang="en-US" b="0" i="0" dirty="0">
+                <a:solidFill>
+                  <a:srgbClr val="333333"/>
+                </a:solidFill>
+                <a:effectLst/>
+                <a:latin typeface="Helvetica Neue"/>
+              </a:rPr>
+              <a:t>語言當中，缺失值通常以「</a:t>
+            </a:r>
+            <a:r>
+              <a:rPr lang="en-US" altLang="zh-TW" b="0" i="0" dirty="0">
+                <a:solidFill>
+                  <a:srgbClr val="333333"/>
+                </a:solidFill>
+                <a:effectLst/>
+                <a:latin typeface="Helvetica Neue"/>
+              </a:rPr>
+              <a:t>NA</a:t>
+            </a:r>
+            <a:r>
+              <a:rPr lang="zh-TW" altLang="en-US" b="0" i="0" dirty="0">
+                <a:solidFill>
+                  <a:srgbClr val="333333"/>
+                </a:solidFill>
+                <a:effectLst/>
+                <a:latin typeface="Helvetica Neue"/>
+              </a:rPr>
+              <a:t>」作為標記</a:t>
+            </a:r>
+            <a:r>
+              <a:rPr lang="en-US" altLang="zh-TW" b="0" i="0" dirty="0">
+                <a:solidFill>
+                  <a:srgbClr val="333333"/>
+                </a:solidFill>
+                <a:effectLst/>
+                <a:latin typeface="Helvetica Neue"/>
+              </a:rPr>
+              <a:t>)</a:t>
+            </a:r>
             <a:endParaRPr lang="zh-TW" altLang="en-US" dirty="0"/>
           </a:p>
         </p:txBody>
@@ -8054,7 +8609,138 @@
 </p:sld>
 </file>
 
-<file path=ppt/slides/slide28.xml><?xml version="1.0" encoding="utf-8"?>
+<file path=ppt/slides/slide3.xml><?xml version="1.0" encoding="utf-8"?>
+<p:sld xmlns:a="http://schemas.openxmlformats.org/drawingml/2006/main" xmlns:r="http://schemas.openxmlformats.org/officeDocument/2006/relationships" xmlns:p="http://schemas.openxmlformats.org/presentationml/2006/main">
+  <p:cSld>
+    <p:spTree>
+      <p:nvGrpSpPr>
+        <p:cNvPr id="1" name=""/>
+        <p:cNvGrpSpPr/>
+        <p:nvPr/>
+      </p:nvGrpSpPr>
+      <p:grpSpPr>
+        <a:xfrm>
+          <a:off x="0" y="0"/>
+          <a:ext cx="0" cy="0"/>
+          <a:chOff x="0" y="0"/>
+          <a:chExt cx="0" cy="0"/>
+        </a:xfrm>
+      </p:grpSpPr>
+      <p:sp>
+        <p:nvSpPr>
+          <p:cNvPr id="2" name="標題 1">
+            <a:extLst>
+              <a:ext uri="{FF2B5EF4-FFF2-40B4-BE49-F238E27FC236}">
+                <a16:creationId xmlns:a16="http://schemas.microsoft.com/office/drawing/2014/main" id="{F95090CD-0680-4F90-ADD0-ED60E8F3C86A}"/>
+              </a:ext>
+            </a:extLst>
+          </p:cNvPr>
+          <p:cNvSpPr>
+            <a:spLocks noGrp="1"/>
+          </p:cNvSpPr>
+          <p:nvPr>
+            <p:ph type="title"/>
+          </p:nvPr>
+        </p:nvSpPr>
+        <p:spPr/>
+        <p:txBody>
+          <a:bodyPr/>
+          <a:lstStyle/>
+          <a:p>
+            <a:r>
+              <a:rPr lang="zh-TW" altLang="en-US" b="1" i="0" dirty="0">
+                <a:solidFill>
+                  <a:srgbClr val="333333"/>
+                </a:solidFill>
+                <a:effectLst/>
+                <a:latin typeface="Helvetica Neue"/>
+              </a:rPr>
+              <a:t>物件基礎操作</a:t>
+            </a:r>
+            <a:endParaRPr lang="zh-TW" altLang="en-US" dirty="0"/>
+          </a:p>
+        </p:txBody>
+      </p:sp>
+      <p:sp>
+        <p:nvSpPr>
+          <p:cNvPr id="3" name="內容版面配置區 2">
+            <a:extLst>
+              <a:ext uri="{FF2B5EF4-FFF2-40B4-BE49-F238E27FC236}">
+                <a16:creationId xmlns:a16="http://schemas.microsoft.com/office/drawing/2014/main" id="{C2E3C9A5-BE78-472F-A528-725297C4519A}"/>
+              </a:ext>
+            </a:extLst>
+          </p:cNvPr>
+          <p:cNvSpPr>
+            <a:spLocks noGrp="1"/>
+          </p:cNvSpPr>
+          <p:nvPr>
+            <p:ph idx="1"/>
+          </p:nvPr>
+        </p:nvSpPr>
+        <p:spPr/>
+        <p:txBody>
+          <a:bodyPr/>
+          <a:lstStyle/>
+          <a:p>
+            <a:r>
+              <a:rPr lang="en-US" altLang="zh-TW" dirty="0"/>
+              <a:t>R</a:t>
+            </a:r>
+            <a:r>
+              <a:rPr lang="zh-TW" altLang="en-US" dirty="0"/>
+              <a:t>語言是以「物件導向」為主的程式語言，可以簡單想成在</a:t>
+            </a:r>
+            <a:r>
+              <a:rPr lang="en-US" altLang="zh-TW" dirty="0"/>
+              <a:t>R</a:t>
+            </a:r>
+            <a:r>
+              <a:rPr lang="zh-TW" altLang="en-US" dirty="0"/>
+              <a:t>語言當中，每一個東西都可以視為一個物件</a:t>
+            </a:r>
+            <a:r>
+              <a:rPr lang="en-US" altLang="zh-TW" dirty="0"/>
+              <a:t>(object)</a:t>
+            </a:r>
+            <a:r>
+              <a:rPr lang="zh-TW" altLang="en-US" dirty="0"/>
+              <a:t>，或著可以暫時先將物件想像成「資料」，這樣的資料內容可以是由一個或多個文字、數字或其他形式所組成的。</a:t>
+            </a:r>
+            <a:endParaRPr lang="en-US" altLang="zh-TW" dirty="0"/>
+          </a:p>
+          <a:p>
+            <a:endParaRPr lang="zh-TW" altLang="en-US" dirty="0"/>
+          </a:p>
+          <a:p>
+            <a:r>
+              <a:rPr lang="zh-TW" altLang="en-US" dirty="0"/>
+              <a:t>接著我們會介紹，在</a:t>
+            </a:r>
+            <a:r>
+              <a:rPr lang="en-US" altLang="zh-TW" dirty="0"/>
+              <a:t>R</a:t>
+            </a:r>
+            <a:r>
+              <a:rPr lang="zh-TW" altLang="en-US" dirty="0"/>
+              <a:t>語言當中可以根據創建出來的物件進行各種操作，像是指派、命名或數學運算，而物件也可能是由不同的結構所組成，也有可能會儲存成不同的形態。</a:t>
+            </a:r>
+          </a:p>
+        </p:txBody>
+      </p:sp>
+    </p:spTree>
+    <p:extLst>
+      <p:ext uri="{BB962C8B-B14F-4D97-AF65-F5344CB8AC3E}">
+        <p14:creationId xmlns:p14="http://schemas.microsoft.com/office/powerpoint/2010/main" val="2920073899"/>
+      </p:ext>
+    </p:extLst>
+  </p:cSld>
+  <p:clrMapOvr>
+    <a:masterClrMapping/>
+  </p:clrMapOvr>
+</p:sld>
+</file>
+
+<file path=ppt/slides/slide30.xml><?xml version="1.0" encoding="utf-8"?>
 <p:sld xmlns:a="http://schemas.openxmlformats.org/drawingml/2006/main" xmlns:r="http://schemas.openxmlformats.org/officeDocument/2006/relationships" xmlns:p="http://schemas.openxmlformats.org/presentationml/2006/main">
   <p:cSld>
     <p:spTree>
@@ -8215,7 +8901,7 @@
 </p:sld>
 </file>
 
-<file path=ppt/slides/slide29.xml><?xml version="1.0" encoding="utf-8"?>
+<file path=ppt/slides/slide31.xml><?xml version="1.0" encoding="utf-8"?>
 <p:sld xmlns:a="http://schemas.openxmlformats.org/drawingml/2006/main" xmlns:r="http://schemas.openxmlformats.org/officeDocument/2006/relationships" xmlns:p="http://schemas.openxmlformats.org/presentationml/2006/main">
   <p:cSld>
     <p:spTree>
@@ -8305,138 +8991,7 @@
 </p:sld>
 </file>
 
-<file path=ppt/slides/slide3.xml><?xml version="1.0" encoding="utf-8"?>
-<p:sld xmlns:a="http://schemas.openxmlformats.org/drawingml/2006/main" xmlns:r="http://schemas.openxmlformats.org/officeDocument/2006/relationships" xmlns:p="http://schemas.openxmlformats.org/presentationml/2006/main">
-  <p:cSld>
-    <p:spTree>
-      <p:nvGrpSpPr>
-        <p:cNvPr id="1" name=""/>
-        <p:cNvGrpSpPr/>
-        <p:nvPr/>
-      </p:nvGrpSpPr>
-      <p:grpSpPr>
-        <a:xfrm>
-          <a:off x="0" y="0"/>
-          <a:ext cx="0" cy="0"/>
-          <a:chOff x="0" y="0"/>
-          <a:chExt cx="0" cy="0"/>
-        </a:xfrm>
-      </p:grpSpPr>
-      <p:sp>
-        <p:nvSpPr>
-          <p:cNvPr id="2" name="標題 1">
-            <a:extLst>
-              <a:ext uri="{FF2B5EF4-FFF2-40B4-BE49-F238E27FC236}">
-                <a16:creationId xmlns:a16="http://schemas.microsoft.com/office/drawing/2014/main" id="{F95090CD-0680-4F90-ADD0-ED60E8F3C86A}"/>
-              </a:ext>
-            </a:extLst>
-          </p:cNvPr>
-          <p:cNvSpPr>
-            <a:spLocks noGrp="1"/>
-          </p:cNvSpPr>
-          <p:nvPr>
-            <p:ph type="title"/>
-          </p:nvPr>
-        </p:nvSpPr>
-        <p:spPr/>
-        <p:txBody>
-          <a:bodyPr/>
-          <a:lstStyle/>
-          <a:p>
-            <a:r>
-              <a:rPr lang="zh-TW" altLang="en-US" b="1" i="0" dirty="0">
-                <a:solidFill>
-                  <a:srgbClr val="333333"/>
-                </a:solidFill>
-                <a:effectLst/>
-                <a:latin typeface="Helvetica Neue"/>
-              </a:rPr>
-              <a:t>物件基礎操作</a:t>
-            </a:r>
-            <a:endParaRPr lang="zh-TW" altLang="en-US" dirty="0"/>
-          </a:p>
-        </p:txBody>
-      </p:sp>
-      <p:sp>
-        <p:nvSpPr>
-          <p:cNvPr id="3" name="內容版面配置區 2">
-            <a:extLst>
-              <a:ext uri="{FF2B5EF4-FFF2-40B4-BE49-F238E27FC236}">
-                <a16:creationId xmlns:a16="http://schemas.microsoft.com/office/drawing/2014/main" id="{C2E3C9A5-BE78-472F-A528-725297C4519A}"/>
-              </a:ext>
-            </a:extLst>
-          </p:cNvPr>
-          <p:cNvSpPr>
-            <a:spLocks noGrp="1"/>
-          </p:cNvSpPr>
-          <p:nvPr>
-            <p:ph idx="1"/>
-          </p:nvPr>
-        </p:nvSpPr>
-        <p:spPr/>
-        <p:txBody>
-          <a:bodyPr/>
-          <a:lstStyle/>
-          <a:p>
-            <a:r>
-              <a:rPr lang="en-US" altLang="zh-TW" dirty="0"/>
-              <a:t>R</a:t>
-            </a:r>
-            <a:r>
-              <a:rPr lang="zh-TW" altLang="en-US" dirty="0"/>
-              <a:t>語言是以「物件導向」為主的程式語言，可以簡單想成在</a:t>
-            </a:r>
-            <a:r>
-              <a:rPr lang="en-US" altLang="zh-TW" dirty="0"/>
-              <a:t>R</a:t>
-            </a:r>
-            <a:r>
-              <a:rPr lang="zh-TW" altLang="en-US" dirty="0"/>
-              <a:t>語言當中，每一個東西都可以視為一個物件</a:t>
-            </a:r>
-            <a:r>
-              <a:rPr lang="en-US" altLang="zh-TW" dirty="0"/>
-              <a:t>(object)</a:t>
-            </a:r>
-            <a:r>
-              <a:rPr lang="zh-TW" altLang="en-US" dirty="0"/>
-              <a:t>，或著可以暫時先將物件想像成「資料」，這樣的資料內容可以是由一個或多個文字、數字或其他形式所組成的。</a:t>
-            </a:r>
-            <a:endParaRPr lang="en-US" altLang="zh-TW" dirty="0"/>
-          </a:p>
-          <a:p>
-            <a:endParaRPr lang="zh-TW" altLang="en-US" dirty="0"/>
-          </a:p>
-          <a:p>
-            <a:r>
-              <a:rPr lang="zh-TW" altLang="en-US" dirty="0"/>
-              <a:t>接著我們會介紹，在</a:t>
-            </a:r>
-            <a:r>
-              <a:rPr lang="en-US" altLang="zh-TW" dirty="0"/>
-              <a:t>R</a:t>
-            </a:r>
-            <a:r>
-              <a:rPr lang="zh-TW" altLang="en-US" dirty="0"/>
-              <a:t>語言當中可以根據創建出來的物件進行各種操作，像是指派、命名或數學運算，而物件也可能是由不同的結構所組成，也有可能會儲存成不同的形態。</a:t>
-            </a:r>
-          </a:p>
-        </p:txBody>
-      </p:sp>
-    </p:spTree>
-    <p:extLst>
-      <p:ext uri="{BB962C8B-B14F-4D97-AF65-F5344CB8AC3E}">
-        <p14:creationId xmlns:p14="http://schemas.microsoft.com/office/powerpoint/2010/main" val="2920073899"/>
-      </p:ext>
-    </p:extLst>
-  </p:cSld>
-  <p:clrMapOvr>
-    <a:masterClrMapping/>
-  </p:clrMapOvr>
-</p:sld>
-</file>
-
-<file path=ppt/slides/slide30.xml><?xml version="1.0" encoding="utf-8"?>
+<file path=ppt/slides/slide32.xml><?xml version="1.0" encoding="utf-8"?>
 <p:sld xmlns:a="http://schemas.openxmlformats.org/drawingml/2006/main" xmlns:r="http://schemas.openxmlformats.org/officeDocument/2006/relationships" xmlns:p="http://schemas.openxmlformats.org/presentationml/2006/main">
   <p:cSld>
     <p:spTree>
@@ -8646,7 +9201,7 @@
 </p:sld>
 </file>
 
-<file path=ppt/slides/slide31.xml><?xml version="1.0" encoding="utf-8"?>
+<file path=ppt/slides/slide33.xml><?xml version="1.0" encoding="utf-8"?>
 <p:sld xmlns:a="http://schemas.openxmlformats.org/drawingml/2006/main" xmlns:r="http://schemas.openxmlformats.org/officeDocument/2006/relationships" xmlns:p="http://schemas.openxmlformats.org/presentationml/2006/main">
   <p:cSld>
     <p:spTree>
@@ -9078,7 +9633,7 @@
 </p:sld>
 </file>
 
-<file path=ppt/slides/slide32.xml><?xml version="1.0" encoding="utf-8"?>
+<file path=ppt/slides/slide34.xml><?xml version="1.0" encoding="utf-8"?>
 <p:sld xmlns:a="http://schemas.openxmlformats.org/drawingml/2006/main" xmlns:r="http://schemas.openxmlformats.org/officeDocument/2006/relationships" xmlns:p="http://schemas.openxmlformats.org/presentationml/2006/main">
   <p:cSld>
     <p:spTree>
@@ -9310,7 +9865,7 @@
 </p:sld>
 </file>
 
-<file path=ppt/slides/slide33.xml><?xml version="1.0" encoding="utf-8"?>
+<file path=ppt/slides/slide35.xml><?xml version="1.0" encoding="utf-8"?>
 <p:sld xmlns:a="http://schemas.openxmlformats.org/drawingml/2006/main" xmlns:r="http://schemas.openxmlformats.org/officeDocument/2006/relationships" xmlns:p="http://schemas.openxmlformats.org/presentationml/2006/main">
   <p:cSld>
     <p:spTree>
@@ -9400,7 +9955,7 @@
 </p:sld>
 </file>
 
-<file path=ppt/slides/slide34.xml><?xml version="1.0" encoding="utf-8"?>
+<file path=ppt/slides/slide36.xml><?xml version="1.0" encoding="utf-8"?>
 <p:sld xmlns:a="http://schemas.openxmlformats.org/drawingml/2006/main" xmlns:r="http://schemas.openxmlformats.org/officeDocument/2006/relationships" xmlns:p="http://schemas.openxmlformats.org/presentationml/2006/main">
   <p:cSld>
     <p:spTree>
@@ -9568,7 +10123,7 @@
 </p:sld>
 </file>
 
-<file path=ppt/slides/slide35.xml><?xml version="1.0" encoding="utf-8"?>
+<file path=ppt/slides/slide37.xml><?xml version="1.0" encoding="utf-8"?>
 <p:sld xmlns:a="http://schemas.openxmlformats.org/drawingml/2006/main" xmlns:r="http://schemas.openxmlformats.org/officeDocument/2006/relationships" xmlns:p="http://schemas.openxmlformats.org/presentationml/2006/main">
   <p:cSld>
     <p:spTree>
@@ -9696,7 +10251,7 @@
             </a:r>
             <a:r>
               <a:rPr lang="zh-TW" altLang="en-US" dirty="0"/>
-              <a:t>將值轉換為字符類</a:t>
+              <a:t>將值轉換為字串類</a:t>
             </a:r>
           </a:p>
           <a:p>
@@ -9763,7 +10318,7 @@
 </p:sld>
 </file>
 
-<file path=ppt/slides/slide36.xml><?xml version="1.0" encoding="utf-8"?>
+<file path=ppt/slides/slide38.xml><?xml version="1.0" encoding="utf-8"?>
 <p:sld xmlns:a="http://schemas.openxmlformats.org/drawingml/2006/main" xmlns:r="http://schemas.openxmlformats.org/officeDocument/2006/relationships" xmlns:p="http://schemas.openxmlformats.org/presentationml/2006/main">
   <p:cSld>
     <p:spTree>
@@ -9922,7 +10477,7 @@
 </p:sld>
 </file>
 
-<file path=ppt/slides/slide37.xml><?xml version="1.0" encoding="utf-8"?>
+<file path=ppt/slides/slide39.xml><?xml version="1.0" encoding="utf-8"?>
 <p:sld xmlns:a="http://schemas.openxmlformats.org/drawingml/2006/main" xmlns:r="http://schemas.openxmlformats.org/officeDocument/2006/relationships" xmlns:p="http://schemas.openxmlformats.org/presentationml/2006/main">
   <p:cSld>
     <p:spTree>
@@ -10316,7 +10871,359 @@
 </p:sld>
 </file>
 
-<file path=ppt/slides/slide38.xml><?xml version="1.0" encoding="utf-8"?>
+<file path=ppt/slides/slide4.xml><?xml version="1.0" encoding="utf-8"?>
+<p:sld xmlns:a="http://schemas.openxmlformats.org/drawingml/2006/main" xmlns:r="http://schemas.openxmlformats.org/officeDocument/2006/relationships" xmlns:p="http://schemas.openxmlformats.org/presentationml/2006/main">
+  <p:cSld>
+    <p:spTree>
+      <p:nvGrpSpPr>
+        <p:cNvPr id="1" name=""/>
+        <p:cNvGrpSpPr/>
+        <p:nvPr/>
+      </p:nvGrpSpPr>
+      <p:grpSpPr>
+        <a:xfrm>
+          <a:off x="0" y="0"/>
+          <a:ext cx="0" cy="0"/>
+          <a:chOff x="0" y="0"/>
+          <a:chExt cx="0" cy="0"/>
+        </a:xfrm>
+      </p:grpSpPr>
+      <p:sp>
+        <p:nvSpPr>
+          <p:cNvPr id="2" name="標題 1">
+            <a:extLst>
+              <a:ext uri="{FF2B5EF4-FFF2-40B4-BE49-F238E27FC236}">
+                <a16:creationId xmlns:a16="http://schemas.microsoft.com/office/drawing/2014/main" id="{18CF179B-46ED-4B11-A859-BAF461DA71DA}"/>
+              </a:ext>
+            </a:extLst>
+          </p:cNvPr>
+          <p:cNvSpPr>
+            <a:spLocks noGrp="1"/>
+          </p:cNvSpPr>
+          <p:nvPr>
+            <p:ph type="title"/>
+          </p:nvPr>
+        </p:nvSpPr>
+        <p:spPr/>
+        <p:txBody>
+          <a:bodyPr/>
+          <a:lstStyle/>
+          <a:p>
+            <a:r>
+              <a:rPr lang="zh-TW" altLang="en-US" b="1" dirty="0"/>
+              <a:t>指派（</a:t>
+            </a:r>
+            <a:r>
+              <a:rPr lang="en-US" altLang="zh-TW" b="1" dirty="0"/>
+              <a:t>assignment</a:t>
+            </a:r>
+            <a:r>
+              <a:rPr lang="zh-TW" altLang="en-US" b="1" dirty="0"/>
+              <a:t>）：</a:t>
+            </a:r>
+            <a:endParaRPr lang="zh-TW" altLang="en-US" dirty="0"/>
+          </a:p>
+        </p:txBody>
+      </p:sp>
+      <p:sp>
+        <p:nvSpPr>
+          <p:cNvPr id="3" name="內容版面配置區 2">
+            <a:extLst>
+              <a:ext uri="{FF2B5EF4-FFF2-40B4-BE49-F238E27FC236}">
+                <a16:creationId xmlns:a16="http://schemas.microsoft.com/office/drawing/2014/main" id="{3FC70206-CA7A-4F44-8BB2-6BB677579D5C}"/>
+              </a:ext>
+            </a:extLst>
+          </p:cNvPr>
+          <p:cNvSpPr>
+            <a:spLocks noGrp="1"/>
+          </p:cNvSpPr>
+          <p:nvPr>
+            <p:ph idx="1"/>
+          </p:nvPr>
+        </p:nvSpPr>
+        <p:spPr>
+          <a:xfrm>
+            <a:off x="838200" y="1825625"/>
+            <a:ext cx="10174793" cy="4351338"/>
+          </a:xfrm>
+        </p:spPr>
+        <p:txBody>
+          <a:bodyPr>
+            <a:normAutofit/>
+          </a:bodyPr>
+          <a:lstStyle/>
+          <a:p>
+            <a:pPr algn="l"/>
+            <a:r>
+              <a:rPr lang="zh-TW" altLang="en-US" b="0" i="0" dirty="0">
+                <a:solidFill>
+                  <a:srgbClr val="333333"/>
+                </a:solidFill>
+                <a:effectLst/>
+                <a:latin typeface="Helvetica Neue"/>
+              </a:rPr>
+              <a:t>我們可以簡單的將指派理解為一種</a:t>
+            </a:r>
+            <a:r>
+              <a:rPr lang="zh-TW" altLang="en-US" b="1" i="0" dirty="0">
+                <a:solidFill>
+                  <a:srgbClr val="333333"/>
+                </a:solidFill>
+                <a:effectLst/>
+                <a:latin typeface="Helvetica Neue"/>
+              </a:rPr>
+              <a:t>「變項的設定」</a:t>
+            </a:r>
+            <a:r>
+              <a:rPr lang="zh-TW" altLang="en-US" b="0" i="0" dirty="0">
+                <a:solidFill>
+                  <a:srgbClr val="333333"/>
+                </a:solidFill>
+                <a:effectLst/>
+                <a:latin typeface="Helvetica Neue"/>
+              </a:rPr>
+              <a:t>，也就是將不管是一個或多個物件視為某一個</a:t>
+            </a:r>
+            <a:r>
+              <a:rPr lang="zh-TW" altLang="en-US" b="1" i="0" dirty="0">
+                <a:solidFill>
+                  <a:srgbClr val="333333"/>
+                </a:solidFill>
+                <a:effectLst/>
+                <a:latin typeface="Helvetica Neue"/>
+              </a:rPr>
+              <a:t>「變項的內容」</a:t>
+            </a:r>
+            <a:r>
+              <a:rPr lang="zh-TW" altLang="en-US" b="0" i="0" dirty="0">
+                <a:solidFill>
+                  <a:srgbClr val="333333"/>
+                </a:solidFill>
+                <a:effectLst/>
+                <a:latin typeface="Helvetica Neue"/>
+              </a:rPr>
+              <a:t>，</a:t>
+            </a:r>
+            <a:endParaRPr lang="en-US" altLang="zh-TW" b="0" i="0" dirty="0">
+              <a:solidFill>
+                <a:srgbClr val="333333"/>
+              </a:solidFill>
+              <a:effectLst/>
+              <a:latin typeface="Helvetica Neue"/>
+            </a:endParaRPr>
+          </a:p>
+          <a:p>
+            <a:pPr algn="l"/>
+            <a:endParaRPr lang="en-US" altLang="zh-TW" dirty="0">
+              <a:solidFill>
+                <a:srgbClr val="333333"/>
+              </a:solidFill>
+              <a:latin typeface="Helvetica Neue"/>
+            </a:endParaRPr>
+          </a:p>
+          <a:p>
+            <a:pPr algn="l"/>
+            <a:r>
+              <a:rPr lang="zh-TW" altLang="en-US" b="0" i="0" dirty="0">
+                <a:solidFill>
+                  <a:srgbClr val="333333"/>
+                </a:solidFill>
+                <a:effectLst/>
+                <a:latin typeface="Helvetica Neue"/>
+              </a:rPr>
+              <a:t>而指派就是將這些物件</a:t>
+            </a:r>
+            <a:r>
+              <a:rPr lang="en-US" altLang="zh-TW" b="0" i="0" dirty="0">
+                <a:solidFill>
+                  <a:srgbClr val="333333"/>
+                </a:solidFill>
+                <a:effectLst/>
+                <a:latin typeface="Helvetica Neue"/>
+              </a:rPr>
+              <a:t>(</a:t>
+            </a:r>
+            <a:r>
+              <a:rPr lang="zh-TW" altLang="en-US" b="0" i="0" dirty="0">
+                <a:solidFill>
+                  <a:srgbClr val="333333"/>
+                </a:solidFill>
+                <a:effectLst/>
+                <a:latin typeface="Helvetica Neue"/>
+              </a:rPr>
+              <a:t>組合成的變項內容</a:t>
+            </a:r>
+            <a:r>
+              <a:rPr lang="en-US" altLang="zh-TW" b="0" i="0" dirty="0">
+                <a:solidFill>
+                  <a:srgbClr val="333333"/>
+                </a:solidFill>
+                <a:effectLst/>
+                <a:latin typeface="Helvetica Neue"/>
+              </a:rPr>
+              <a:t>)</a:t>
+            </a:r>
+            <a:r>
+              <a:rPr lang="zh-TW" altLang="en-US" b="0" i="0" dirty="0">
+                <a:solidFill>
+                  <a:srgbClr val="333333"/>
+                </a:solidFill>
+                <a:effectLst/>
+                <a:latin typeface="Helvetica Neue"/>
+              </a:rPr>
+              <a:t>指派</a:t>
+            </a:r>
+            <a:r>
+              <a:rPr lang="en-US" altLang="zh-TW" b="0" i="0" dirty="0">
+                <a:solidFill>
+                  <a:srgbClr val="333333"/>
+                </a:solidFill>
+                <a:effectLst/>
+                <a:latin typeface="Helvetica Neue"/>
+              </a:rPr>
+              <a:t>(</a:t>
+            </a:r>
+            <a:r>
+              <a:rPr lang="zh-TW" altLang="en-US" b="0" i="0" dirty="0">
+                <a:solidFill>
+                  <a:srgbClr val="333333"/>
+                </a:solidFill>
+                <a:effectLst/>
+                <a:latin typeface="Helvetica Neue"/>
+              </a:rPr>
+              <a:t>設定</a:t>
+            </a:r>
+            <a:r>
+              <a:rPr lang="en-US" altLang="zh-TW" b="0" i="0" dirty="0">
+                <a:solidFill>
+                  <a:srgbClr val="333333"/>
+                </a:solidFill>
+                <a:effectLst/>
+                <a:latin typeface="Helvetica Neue"/>
+              </a:rPr>
+              <a:t>)</a:t>
+            </a:r>
+            <a:r>
+              <a:rPr lang="zh-TW" altLang="en-US" b="0" i="0" dirty="0">
+                <a:solidFill>
+                  <a:srgbClr val="333333"/>
+                </a:solidFill>
+                <a:effectLst/>
+                <a:latin typeface="Helvetica Neue"/>
+              </a:rPr>
+              <a:t>一個</a:t>
+            </a:r>
+            <a:r>
+              <a:rPr lang="zh-TW" altLang="en-US" b="1" i="0" dirty="0">
+                <a:solidFill>
+                  <a:srgbClr val="333333"/>
+                </a:solidFill>
+                <a:effectLst/>
+                <a:latin typeface="Helvetica Neue"/>
+              </a:rPr>
+              <a:t>「變項</a:t>
+            </a:r>
+            <a:r>
+              <a:rPr lang="en-US" altLang="zh-TW" b="1" i="0" dirty="0">
+                <a:solidFill>
+                  <a:srgbClr val="333333"/>
+                </a:solidFill>
+                <a:effectLst/>
+                <a:latin typeface="Helvetica Neue"/>
+              </a:rPr>
+              <a:t>(</a:t>
+            </a:r>
+            <a:r>
+              <a:rPr lang="zh-TW" altLang="en-US" b="1" i="0" dirty="0">
+                <a:solidFill>
+                  <a:srgbClr val="333333"/>
+                </a:solidFill>
+                <a:effectLst/>
+                <a:latin typeface="Helvetica Neue"/>
+              </a:rPr>
+              <a:t>物件</a:t>
+            </a:r>
+            <a:r>
+              <a:rPr lang="en-US" altLang="zh-TW" b="1" i="0" dirty="0">
+                <a:solidFill>
+                  <a:srgbClr val="333333"/>
+                </a:solidFill>
+                <a:effectLst/>
+                <a:latin typeface="Helvetica Neue"/>
+              </a:rPr>
+              <a:t>)</a:t>
+            </a:r>
+            <a:r>
+              <a:rPr lang="zh-TW" altLang="en-US" b="1" i="0" dirty="0">
+                <a:solidFill>
+                  <a:srgbClr val="333333"/>
+                </a:solidFill>
+                <a:effectLst/>
+                <a:latin typeface="Helvetica Neue"/>
+              </a:rPr>
+              <a:t>名稱」</a:t>
+            </a:r>
+            <a:r>
+              <a:rPr lang="zh-TW" altLang="en-US" b="0" i="0" dirty="0">
+                <a:solidFill>
+                  <a:srgbClr val="333333"/>
+                </a:solidFill>
+                <a:effectLst/>
+                <a:latin typeface="Helvetica Neue"/>
+              </a:rPr>
+              <a:t>。</a:t>
+            </a:r>
+            <a:endParaRPr lang="en-US" altLang="zh-TW" b="0" i="0" dirty="0">
+              <a:solidFill>
+                <a:srgbClr val="333333"/>
+              </a:solidFill>
+              <a:effectLst/>
+              <a:latin typeface="Helvetica Neue"/>
+            </a:endParaRPr>
+          </a:p>
+          <a:p>
+            <a:pPr algn="l"/>
+            <a:endParaRPr lang="en-US" altLang="zh-TW" b="0" i="0" dirty="0">
+              <a:solidFill>
+                <a:srgbClr val="333333"/>
+              </a:solidFill>
+              <a:effectLst/>
+              <a:latin typeface="Helvetica Neue"/>
+            </a:endParaRPr>
+          </a:p>
+          <a:p>
+            <a:pPr algn="l"/>
+            <a:r>
+              <a:rPr lang="zh-TW" altLang="en-US" dirty="0"/>
+              <a:t>「變項的設定」可以更簡單理解為，我們建立了一個新變項或去更改既有變項</a:t>
+            </a:r>
+            <a:endParaRPr lang="zh-TW" altLang="en-US" b="0" i="0" dirty="0">
+              <a:solidFill>
+                <a:srgbClr val="333333"/>
+              </a:solidFill>
+              <a:effectLst/>
+              <a:latin typeface="Helvetica Neue"/>
+            </a:endParaRPr>
+          </a:p>
+        </p:txBody>
+      </p:sp>
+    </p:spTree>
+    <p:custDataLst>
+      <p:tags r:id="rId1"/>
+    </p:custDataLst>
+    <p:extLst>
+      <p:ext uri="{BB962C8B-B14F-4D97-AF65-F5344CB8AC3E}">
+        <p14:creationId xmlns:p14="http://schemas.microsoft.com/office/powerpoint/2010/main" val="1690118706"/>
+      </p:ext>
+    </p:extLst>
+  </p:cSld>
+  <p:clrMapOvr>
+    <a:masterClrMapping/>
+  </p:clrMapOvr>
+</p:sld>
+</file>
+
+<file path=ppt/slides/slide40.xml><?xml version="1.0" encoding="utf-8"?>
 <p:sld xmlns:a="http://schemas.openxmlformats.org/drawingml/2006/main" xmlns:r="http://schemas.openxmlformats.org/officeDocument/2006/relationships" xmlns:p="http://schemas.openxmlformats.org/presentationml/2006/main">
   <p:cSld>
     <p:spTree>
@@ -10504,7 +11411,7 @@
 </p:sld>
 </file>
 
-<file path=ppt/slides/slide39.xml><?xml version="1.0" encoding="utf-8"?>
+<file path=ppt/slides/slide41.xml><?xml version="1.0" encoding="utf-8"?>
 <p:sld xmlns:a="http://schemas.openxmlformats.org/drawingml/2006/main" xmlns:r="http://schemas.openxmlformats.org/officeDocument/2006/relationships" xmlns:p="http://schemas.openxmlformats.org/presentationml/2006/main">
   <p:cSld>
     <p:spTree>
@@ -10748,7 +11655,7 @@
 </p:sld>
 </file>
 
-<file path=ppt/slides/slide4.xml><?xml version="1.0" encoding="utf-8"?>
+<file path=ppt/slides/slide42.xml><?xml version="1.0" encoding="utf-8"?>
 <p:sld xmlns:a="http://schemas.openxmlformats.org/drawingml/2006/main" xmlns:r="http://schemas.openxmlformats.org/officeDocument/2006/relationships" xmlns:p="http://schemas.openxmlformats.org/presentationml/2006/main">
   <p:cSld>
     <p:spTree>
@@ -10770,547 +11677,6 @@
           <p:cNvPr id="2" name="標題 1">
             <a:extLst>
               <a:ext uri="{FF2B5EF4-FFF2-40B4-BE49-F238E27FC236}">
-                <a16:creationId xmlns:a16="http://schemas.microsoft.com/office/drawing/2014/main" id="{18CF179B-46ED-4B11-A859-BAF461DA71DA}"/>
-              </a:ext>
-            </a:extLst>
-          </p:cNvPr>
-          <p:cNvSpPr>
-            <a:spLocks noGrp="1"/>
-          </p:cNvSpPr>
-          <p:nvPr>
-            <p:ph type="title"/>
-          </p:nvPr>
-        </p:nvSpPr>
-        <p:spPr/>
-        <p:txBody>
-          <a:bodyPr/>
-          <a:lstStyle/>
-          <a:p>
-            <a:r>
-              <a:rPr lang="zh-TW" altLang="en-US" b="1" dirty="0"/>
-              <a:t>指派（</a:t>
-            </a:r>
-            <a:r>
-              <a:rPr lang="en-US" altLang="zh-TW" b="1" dirty="0"/>
-              <a:t>assignment</a:t>
-            </a:r>
-            <a:r>
-              <a:rPr lang="zh-TW" altLang="en-US" b="1" dirty="0"/>
-              <a:t>）：</a:t>
-            </a:r>
-            <a:endParaRPr lang="zh-TW" altLang="en-US" dirty="0"/>
-          </a:p>
-        </p:txBody>
-      </p:sp>
-      <p:sp>
-        <p:nvSpPr>
-          <p:cNvPr id="3" name="內容版面配置區 2">
-            <a:extLst>
-              <a:ext uri="{FF2B5EF4-FFF2-40B4-BE49-F238E27FC236}">
-                <a16:creationId xmlns:a16="http://schemas.microsoft.com/office/drawing/2014/main" id="{3FC70206-CA7A-4F44-8BB2-6BB677579D5C}"/>
-              </a:ext>
-            </a:extLst>
-          </p:cNvPr>
-          <p:cNvSpPr>
-            <a:spLocks noGrp="1"/>
-          </p:cNvSpPr>
-          <p:nvPr>
-            <p:ph idx="1"/>
-          </p:nvPr>
-        </p:nvSpPr>
-        <p:spPr>
-          <a:xfrm>
-            <a:off x="838200" y="1825625"/>
-            <a:ext cx="10174793" cy="4351338"/>
-          </a:xfrm>
-        </p:spPr>
-        <p:txBody>
-          <a:bodyPr>
-            <a:normAutofit/>
-          </a:bodyPr>
-          <a:lstStyle/>
-          <a:p>
-            <a:pPr algn="l"/>
-            <a:r>
-              <a:rPr lang="zh-TW" altLang="en-US" b="0" i="0" dirty="0">
-                <a:solidFill>
-                  <a:srgbClr val="333333"/>
-                </a:solidFill>
-                <a:effectLst/>
-                <a:latin typeface="Helvetica Neue"/>
-              </a:rPr>
-              <a:t>我們可以簡單的將指派理解為一種</a:t>
-            </a:r>
-            <a:r>
-              <a:rPr lang="zh-TW" altLang="en-US" b="1" i="0" dirty="0">
-                <a:solidFill>
-                  <a:srgbClr val="333333"/>
-                </a:solidFill>
-                <a:effectLst/>
-                <a:latin typeface="Helvetica Neue"/>
-              </a:rPr>
-              <a:t>「變項的設定」</a:t>
-            </a:r>
-            <a:r>
-              <a:rPr lang="zh-TW" altLang="en-US" b="0" i="0" dirty="0">
-                <a:solidFill>
-                  <a:srgbClr val="333333"/>
-                </a:solidFill>
-                <a:effectLst/>
-                <a:latin typeface="Helvetica Neue"/>
-              </a:rPr>
-              <a:t>，也就是將不管是一個或多個物件視為某一個</a:t>
-            </a:r>
-            <a:r>
-              <a:rPr lang="zh-TW" altLang="en-US" b="1" i="0" dirty="0">
-                <a:solidFill>
-                  <a:srgbClr val="333333"/>
-                </a:solidFill>
-                <a:effectLst/>
-                <a:latin typeface="Helvetica Neue"/>
-              </a:rPr>
-              <a:t>「變項的內容」</a:t>
-            </a:r>
-            <a:r>
-              <a:rPr lang="zh-TW" altLang="en-US" b="0" i="0" dirty="0">
-                <a:solidFill>
-                  <a:srgbClr val="333333"/>
-                </a:solidFill>
-                <a:effectLst/>
-                <a:latin typeface="Helvetica Neue"/>
-              </a:rPr>
-              <a:t>，而指派就是將這些物件</a:t>
-            </a:r>
-            <a:r>
-              <a:rPr lang="en-US" altLang="zh-TW" b="0" i="0" dirty="0">
-                <a:solidFill>
-                  <a:srgbClr val="333333"/>
-                </a:solidFill>
-                <a:effectLst/>
-                <a:latin typeface="Helvetica Neue"/>
-              </a:rPr>
-              <a:t>(</a:t>
-            </a:r>
-            <a:r>
-              <a:rPr lang="zh-TW" altLang="en-US" b="0" i="0" dirty="0">
-                <a:solidFill>
-                  <a:srgbClr val="333333"/>
-                </a:solidFill>
-                <a:effectLst/>
-                <a:latin typeface="Helvetica Neue"/>
-              </a:rPr>
-              <a:t>組合成的變項內容</a:t>
-            </a:r>
-            <a:r>
-              <a:rPr lang="en-US" altLang="zh-TW" b="0" i="0" dirty="0">
-                <a:solidFill>
-                  <a:srgbClr val="333333"/>
-                </a:solidFill>
-                <a:effectLst/>
-                <a:latin typeface="Helvetica Neue"/>
-              </a:rPr>
-              <a:t>)</a:t>
-            </a:r>
-            <a:r>
-              <a:rPr lang="zh-TW" altLang="en-US" b="0" i="0" dirty="0">
-                <a:solidFill>
-                  <a:srgbClr val="333333"/>
-                </a:solidFill>
-                <a:effectLst/>
-                <a:latin typeface="Helvetica Neue"/>
-              </a:rPr>
-              <a:t>指派</a:t>
-            </a:r>
-            <a:r>
-              <a:rPr lang="en-US" altLang="zh-TW" b="0" i="0" dirty="0">
-                <a:solidFill>
-                  <a:srgbClr val="333333"/>
-                </a:solidFill>
-                <a:effectLst/>
-                <a:latin typeface="Helvetica Neue"/>
-              </a:rPr>
-              <a:t>(</a:t>
-            </a:r>
-            <a:r>
-              <a:rPr lang="zh-TW" altLang="en-US" b="0" i="0" dirty="0">
-                <a:solidFill>
-                  <a:srgbClr val="333333"/>
-                </a:solidFill>
-                <a:effectLst/>
-                <a:latin typeface="Helvetica Neue"/>
-              </a:rPr>
-              <a:t>設定</a:t>
-            </a:r>
-            <a:r>
-              <a:rPr lang="en-US" altLang="zh-TW" b="0" i="0" dirty="0">
-                <a:solidFill>
-                  <a:srgbClr val="333333"/>
-                </a:solidFill>
-                <a:effectLst/>
-                <a:latin typeface="Helvetica Neue"/>
-              </a:rPr>
-              <a:t>)</a:t>
-            </a:r>
-            <a:r>
-              <a:rPr lang="zh-TW" altLang="en-US" b="0" i="0" dirty="0">
-                <a:solidFill>
-                  <a:srgbClr val="333333"/>
-                </a:solidFill>
-                <a:effectLst/>
-                <a:latin typeface="Helvetica Neue"/>
-              </a:rPr>
-              <a:t>一個</a:t>
-            </a:r>
-            <a:r>
-              <a:rPr lang="zh-TW" altLang="en-US" b="1" i="0" dirty="0">
-                <a:solidFill>
-                  <a:srgbClr val="333333"/>
-                </a:solidFill>
-                <a:effectLst/>
-                <a:latin typeface="Helvetica Neue"/>
-              </a:rPr>
-              <a:t>「變項</a:t>
-            </a:r>
-            <a:r>
-              <a:rPr lang="en-US" altLang="zh-TW" b="1" i="0" dirty="0">
-                <a:solidFill>
-                  <a:srgbClr val="333333"/>
-                </a:solidFill>
-                <a:effectLst/>
-                <a:latin typeface="Helvetica Neue"/>
-              </a:rPr>
-              <a:t>(</a:t>
-            </a:r>
-            <a:r>
-              <a:rPr lang="zh-TW" altLang="en-US" b="1" i="0" dirty="0">
-                <a:solidFill>
-                  <a:srgbClr val="333333"/>
-                </a:solidFill>
-                <a:effectLst/>
-                <a:latin typeface="Helvetica Neue"/>
-              </a:rPr>
-              <a:t>物件</a:t>
-            </a:r>
-            <a:r>
-              <a:rPr lang="en-US" altLang="zh-TW" b="1" i="0" dirty="0">
-                <a:solidFill>
-                  <a:srgbClr val="333333"/>
-                </a:solidFill>
-                <a:effectLst/>
-                <a:latin typeface="Helvetica Neue"/>
-              </a:rPr>
-              <a:t>)</a:t>
-            </a:r>
-            <a:r>
-              <a:rPr lang="zh-TW" altLang="en-US" b="1" i="0" dirty="0">
-                <a:solidFill>
-                  <a:srgbClr val="333333"/>
-                </a:solidFill>
-                <a:effectLst/>
-                <a:latin typeface="Helvetica Neue"/>
-              </a:rPr>
-              <a:t>名稱」</a:t>
-            </a:r>
-            <a:r>
-              <a:rPr lang="zh-TW" altLang="en-US" b="0" i="0" dirty="0">
-                <a:solidFill>
-                  <a:srgbClr val="333333"/>
-                </a:solidFill>
-                <a:effectLst/>
-                <a:latin typeface="Helvetica Neue"/>
-              </a:rPr>
-              <a:t>。</a:t>
-            </a:r>
-            <a:endParaRPr lang="en-US" altLang="zh-TW" b="0" i="0" dirty="0">
-              <a:solidFill>
-                <a:srgbClr val="333333"/>
-              </a:solidFill>
-              <a:effectLst/>
-              <a:latin typeface="Helvetica Neue"/>
-            </a:endParaRPr>
-          </a:p>
-          <a:p>
-            <a:pPr algn="l"/>
-            <a:endParaRPr lang="zh-TW" altLang="en-US" b="0" i="0" dirty="0">
-              <a:solidFill>
-                <a:srgbClr val="333333"/>
-              </a:solidFill>
-              <a:effectLst/>
-              <a:latin typeface="Helvetica Neue"/>
-            </a:endParaRPr>
-          </a:p>
-          <a:p>
-            <a:pPr algn="l"/>
-            <a:r>
-              <a:rPr lang="zh-TW" altLang="en-US" b="0" i="0" dirty="0">
-                <a:solidFill>
-                  <a:srgbClr val="333333"/>
-                </a:solidFill>
-                <a:effectLst/>
-                <a:latin typeface="Helvetica Neue"/>
-              </a:rPr>
-              <a:t>將資料儲存至一個代號（變項）內，可以用”</a:t>
-            </a:r>
-            <a:r>
-              <a:rPr lang="en-US" altLang="zh-TW" b="0" i="0" dirty="0">
-                <a:solidFill>
-                  <a:srgbClr val="333333"/>
-                </a:solidFill>
-                <a:effectLst/>
-                <a:latin typeface="Helvetica Neue"/>
-              </a:rPr>
-              <a:t>&lt;-” </a:t>
-            </a:r>
-            <a:r>
-              <a:rPr lang="zh-TW" altLang="en-US" b="0" i="0" dirty="0">
-                <a:solidFill>
-                  <a:srgbClr val="333333"/>
-                </a:solidFill>
-                <a:effectLst/>
-                <a:latin typeface="Helvetica Neue"/>
-              </a:rPr>
-              <a:t>或”</a:t>
-            </a:r>
-            <a:r>
-              <a:rPr lang="en-US" altLang="zh-TW" b="0" i="0" dirty="0">
-                <a:solidFill>
-                  <a:srgbClr val="333333"/>
-                </a:solidFill>
-                <a:effectLst/>
-                <a:latin typeface="Helvetica Neue"/>
-              </a:rPr>
-              <a:t>=“</a:t>
-            </a:r>
-            <a:r>
-              <a:rPr lang="zh-TW" altLang="en-US" b="0" i="0" dirty="0">
-                <a:solidFill>
-                  <a:srgbClr val="333333"/>
-                </a:solidFill>
-                <a:effectLst/>
-                <a:latin typeface="Helvetica Neue"/>
-              </a:rPr>
-              <a:t>，但使用”</a:t>
-            </a:r>
-            <a:r>
-              <a:rPr lang="en-US" altLang="zh-TW" b="0" i="0" dirty="0">
-                <a:solidFill>
-                  <a:srgbClr val="333333"/>
-                </a:solidFill>
-                <a:effectLst/>
-                <a:latin typeface="Helvetica Neue"/>
-              </a:rPr>
-              <a:t>&lt;-“</a:t>
-            </a:r>
-            <a:r>
-              <a:rPr lang="zh-TW" altLang="en-US" b="0" i="0" dirty="0">
-                <a:solidFill>
-                  <a:srgbClr val="333333"/>
-                </a:solidFill>
-                <a:effectLst/>
-                <a:latin typeface="Helvetica Neue"/>
-              </a:rPr>
-              <a:t>好過”</a:t>
-            </a:r>
-            <a:r>
-              <a:rPr lang="en-US" altLang="zh-TW" b="0" i="0" dirty="0">
-                <a:solidFill>
-                  <a:srgbClr val="333333"/>
-                </a:solidFill>
-                <a:effectLst/>
-                <a:latin typeface="Helvetica Neue"/>
-              </a:rPr>
-              <a:t>=“</a:t>
-            </a:r>
-            <a:r>
-              <a:rPr lang="zh-TW" altLang="en-US" b="0" i="0" dirty="0">
-                <a:solidFill>
-                  <a:srgbClr val="333333"/>
-                </a:solidFill>
-                <a:effectLst/>
-                <a:latin typeface="Helvetica Neue"/>
-              </a:rPr>
-              <a:t>，另外也可以換個方向指派”</a:t>
-            </a:r>
-            <a:r>
-              <a:rPr lang="en-US" altLang="zh-TW" b="0" i="0" dirty="0">
-                <a:solidFill>
-                  <a:srgbClr val="333333"/>
-                </a:solidFill>
-                <a:effectLst/>
-                <a:latin typeface="Helvetica Neue"/>
-              </a:rPr>
-              <a:t>-&gt;“</a:t>
-            </a:r>
-            <a:r>
-              <a:rPr lang="zh-TW" altLang="en-US" b="0" i="0" dirty="0">
-                <a:solidFill>
-                  <a:srgbClr val="333333"/>
-                </a:solidFill>
-                <a:effectLst/>
-                <a:latin typeface="Helvetica Neue"/>
-              </a:rPr>
-              <a:t>，但通常由左至右較易閱讀因此較少使用。</a:t>
-            </a:r>
-            <a:br>
-              <a:rPr lang="zh-TW" altLang="en-US" b="0" i="0" dirty="0">
-                <a:solidFill>
-                  <a:srgbClr val="333333"/>
-                </a:solidFill>
-                <a:effectLst/>
-                <a:latin typeface="Helvetica Neue"/>
-              </a:rPr>
-            </a:br>
-            <a:r>
-              <a:rPr lang="en-US" altLang="zh-TW" b="0" i="0" dirty="0">
-                <a:solidFill>
-                  <a:srgbClr val="333333"/>
-                </a:solidFill>
-                <a:effectLst/>
-                <a:latin typeface="Helvetica Neue"/>
-              </a:rPr>
-              <a:t>(</a:t>
-            </a:r>
-            <a:r>
-              <a:rPr lang="zh-TW" altLang="en-US" b="0" i="0" dirty="0">
-                <a:solidFill>
-                  <a:srgbClr val="333333"/>
-                </a:solidFill>
-                <a:effectLst/>
-                <a:latin typeface="Helvetica Neue"/>
-              </a:rPr>
-              <a:t>「</a:t>
-            </a:r>
-            <a:r>
-              <a:rPr lang="en-US" altLang="zh-TW" b="0" i="0" dirty="0">
-                <a:solidFill>
-                  <a:srgbClr val="333333"/>
-                </a:solidFill>
-                <a:effectLst/>
-                <a:latin typeface="Helvetica Neue"/>
-              </a:rPr>
-              <a:t>&lt;-</a:t>
-            </a:r>
-            <a:r>
-              <a:rPr lang="zh-TW" altLang="en-US" b="0" i="0" dirty="0">
-                <a:solidFill>
-                  <a:srgbClr val="333333"/>
-                </a:solidFill>
-                <a:effectLst/>
-                <a:latin typeface="Helvetica Neue"/>
-              </a:rPr>
-              <a:t>」的 </a:t>
-            </a:r>
-            <a:r>
-              <a:rPr lang="en-US" altLang="zh-TW" b="0" i="0" dirty="0">
-                <a:solidFill>
-                  <a:srgbClr val="333333"/>
-                </a:solidFill>
-                <a:effectLst/>
-                <a:latin typeface="Helvetica Neue"/>
-              </a:rPr>
-              <a:t>Windows</a:t>
-            </a:r>
-            <a:r>
-              <a:rPr lang="zh-TW" altLang="en-US" b="0" i="0" dirty="0">
-                <a:solidFill>
-                  <a:srgbClr val="333333"/>
-                </a:solidFill>
-                <a:effectLst/>
-                <a:latin typeface="Helvetica Neue"/>
-              </a:rPr>
-              <a:t>快捷鍵</a:t>
-            </a:r>
-            <a:r>
-              <a:rPr lang="en-US" altLang="zh-TW" b="0" i="0" dirty="0">
-                <a:solidFill>
-                  <a:srgbClr val="333333"/>
-                </a:solidFill>
-                <a:effectLst/>
-                <a:latin typeface="Helvetica Neue"/>
-              </a:rPr>
-              <a:t>: </a:t>
-            </a:r>
-            <a:r>
-              <a:rPr lang="zh-TW" altLang="en-US" b="0" i="0" dirty="0">
-                <a:solidFill>
-                  <a:srgbClr val="333333"/>
-                </a:solidFill>
-                <a:effectLst/>
-                <a:latin typeface="Helvetica Neue"/>
-              </a:rPr>
-              <a:t>「</a:t>
-            </a:r>
-            <a:r>
-              <a:rPr lang="en-US" altLang="zh-TW" b="1" i="0" dirty="0">
-                <a:solidFill>
-                  <a:srgbClr val="333333"/>
-                </a:solidFill>
-                <a:effectLst/>
-                <a:latin typeface="Helvetica Neue"/>
-              </a:rPr>
-              <a:t>Alt+-</a:t>
-            </a:r>
-            <a:r>
-              <a:rPr lang="zh-TW" altLang="en-US" b="0" i="0" dirty="0">
-                <a:solidFill>
-                  <a:srgbClr val="333333"/>
-                </a:solidFill>
-                <a:effectLst/>
-                <a:latin typeface="Helvetica Neue"/>
-              </a:rPr>
-              <a:t>」</a:t>
-            </a:r>
-            <a:r>
-              <a:rPr lang="en-US" altLang="zh-TW" b="0" i="0" dirty="0">
-                <a:solidFill>
-                  <a:srgbClr val="333333"/>
-                </a:solidFill>
-                <a:effectLst/>
-                <a:latin typeface="Helvetica Neue"/>
-              </a:rPr>
-              <a:t>)</a:t>
-            </a:r>
-          </a:p>
-        </p:txBody>
-      </p:sp>
-    </p:spTree>
-    <p:custDataLst>
-      <p:tags r:id="rId1"/>
-    </p:custDataLst>
-    <p:extLst>
-      <p:ext uri="{BB962C8B-B14F-4D97-AF65-F5344CB8AC3E}">
-        <p14:creationId xmlns:p14="http://schemas.microsoft.com/office/powerpoint/2010/main" val="594151100"/>
-      </p:ext>
-    </p:extLst>
-  </p:cSld>
-  <p:clrMapOvr>
-    <a:masterClrMapping/>
-  </p:clrMapOvr>
-</p:sld>
-</file>
-
-<file path=ppt/slides/slide40.xml><?xml version="1.0" encoding="utf-8"?>
-<p:sld xmlns:a="http://schemas.openxmlformats.org/drawingml/2006/main" xmlns:r="http://schemas.openxmlformats.org/officeDocument/2006/relationships" xmlns:p="http://schemas.openxmlformats.org/presentationml/2006/main">
-  <p:cSld>
-    <p:spTree>
-      <p:nvGrpSpPr>
-        <p:cNvPr id="1" name=""/>
-        <p:cNvGrpSpPr/>
-        <p:nvPr/>
-      </p:nvGrpSpPr>
-      <p:grpSpPr>
-        <a:xfrm>
-          <a:off x="0" y="0"/>
-          <a:ext cx="0" cy="0"/>
-          <a:chOff x="0" y="0"/>
-          <a:chExt cx="0" cy="0"/>
-        </a:xfrm>
-      </p:grpSpPr>
-      <p:sp>
-        <p:nvSpPr>
-          <p:cNvPr id="2" name="標題 1">
-            <a:extLst>
-              <a:ext uri="{FF2B5EF4-FFF2-40B4-BE49-F238E27FC236}">
                 <a16:creationId xmlns:a16="http://schemas.microsoft.com/office/drawing/2014/main" id="{26315561-863C-411A-8729-EB16B122DB6B}"/>
               </a:ext>
             </a:extLst>
@@ -11497,7 +11863,7 @@
 </p:sld>
 </file>
 
-<file path=ppt/slides/slide41.xml><?xml version="1.0" encoding="utf-8"?>
+<file path=ppt/slides/slide43.xml><?xml version="1.0" encoding="utf-8"?>
 <p:sld xmlns:a="http://schemas.openxmlformats.org/drawingml/2006/main" xmlns:r="http://schemas.openxmlformats.org/officeDocument/2006/relationships" xmlns:p="http://schemas.openxmlformats.org/presentationml/2006/main">
   <p:cSld>
     <p:spTree>
@@ -11713,7 +12079,7 @@
 </p:sld>
 </file>
 
-<file path=ppt/slides/slide42.xml><?xml version="1.0" encoding="utf-8"?>
+<file path=ppt/slides/slide44.xml><?xml version="1.0" encoding="utf-8"?>
 <p:sld xmlns:a="http://schemas.openxmlformats.org/drawingml/2006/main" xmlns:r="http://schemas.openxmlformats.org/officeDocument/2006/relationships" xmlns:p="http://schemas.openxmlformats.org/presentationml/2006/main">
   <p:cSld>
     <p:spTree>
@@ -11927,7 +12293,7 @@
 </p:sld>
 </file>
 
-<file path=ppt/slides/slide43.xml><?xml version="1.0" encoding="utf-8"?>
+<file path=ppt/slides/slide45.xml><?xml version="1.0" encoding="utf-8"?>
 <p:sld xmlns:a="http://schemas.openxmlformats.org/drawingml/2006/main" xmlns:r="http://schemas.openxmlformats.org/officeDocument/2006/relationships" xmlns:p="http://schemas.openxmlformats.org/presentationml/2006/main">
   <p:cSld>
     <p:spTree>
@@ -12067,7 +12433,7 @@
 </p:sld>
 </file>
 
-<file path=ppt/slides/slide44.xml><?xml version="1.0" encoding="utf-8"?>
+<file path=ppt/slides/slide46.xml><?xml version="1.0" encoding="utf-8"?>
 <p:sld xmlns:a="http://schemas.openxmlformats.org/drawingml/2006/main" xmlns:r="http://schemas.openxmlformats.org/officeDocument/2006/relationships" xmlns:p="http://schemas.openxmlformats.org/presentationml/2006/main">
   <p:cSld>
     <p:spTree>
@@ -12207,7 +12573,7 @@
 </p:sld>
 </file>
 
-<file path=ppt/slides/slide45.xml><?xml version="1.0" encoding="utf-8"?>
+<file path=ppt/slides/slide47.xml><?xml version="1.0" encoding="utf-8"?>
 <p:sld xmlns:a="http://schemas.openxmlformats.org/drawingml/2006/main" xmlns:r="http://schemas.openxmlformats.org/officeDocument/2006/relationships" xmlns:p="http://schemas.openxmlformats.org/presentationml/2006/main">
   <p:cSld>
     <p:spTree>
@@ -12463,10 +12829,47 @@
       </p:grpSpPr>
       <p:sp>
         <p:nvSpPr>
+          <p:cNvPr id="2" name="標題 1">
+            <a:extLst>
+              <a:ext uri="{FF2B5EF4-FFF2-40B4-BE49-F238E27FC236}">
+                <a16:creationId xmlns:a16="http://schemas.microsoft.com/office/drawing/2014/main" id="{18CF179B-46ED-4B11-A859-BAF461DA71DA}"/>
+              </a:ext>
+            </a:extLst>
+          </p:cNvPr>
+          <p:cNvSpPr>
+            <a:spLocks noGrp="1"/>
+          </p:cNvSpPr>
+          <p:nvPr>
+            <p:ph type="title"/>
+          </p:nvPr>
+        </p:nvSpPr>
+        <p:spPr/>
+        <p:txBody>
+          <a:bodyPr/>
+          <a:lstStyle/>
+          <a:p>
+            <a:r>
+              <a:rPr lang="zh-TW" altLang="en-US" b="1" dirty="0"/>
+              <a:t>指派（</a:t>
+            </a:r>
+            <a:r>
+              <a:rPr lang="en-US" altLang="zh-TW" b="1" dirty="0"/>
+              <a:t>assignment</a:t>
+            </a:r>
+            <a:r>
+              <a:rPr lang="zh-TW" altLang="en-US" b="1" dirty="0"/>
+              <a:t>）：</a:t>
+            </a:r>
+            <a:endParaRPr lang="zh-TW" altLang="en-US" dirty="0"/>
+          </a:p>
+        </p:txBody>
+      </p:sp>
+      <p:sp>
+        <p:nvSpPr>
           <p:cNvPr id="3" name="內容版面配置區 2">
             <a:extLst>
               <a:ext uri="{FF2B5EF4-FFF2-40B4-BE49-F238E27FC236}">
-                <a16:creationId xmlns:a16="http://schemas.microsoft.com/office/drawing/2014/main" id="{BC1D7485-679B-485C-8E1C-3598FEA2CC6D}"/>
+                <a16:creationId xmlns:a16="http://schemas.microsoft.com/office/drawing/2014/main" id="{3FC70206-CA7A-4F44-8BB2-6BB677579D5C}"/>
               </a:ext>
             </a:extLst>
           </p:cNvPr>
@@ -12479,8 +12882,8 @@
         </p:nvSpPr>
         <p:spPr>
           <a:xfrm>
-            <a:off x="393014" y="519234"/>
-            <a:ext cx="6898371" cy="3771412"/>
+            <a:off x="838200" y="1825625"/>
+            <a:ext cx="10174793" cy="4351338"/>
           </a:xfrm>
         </p:spPr>
         <p:txBody>
@@ -12489,7 +12892,9 @@
           </a:bodyPr>
           <a:lstStyle/>
           <a:p>
-            <a:pPr algn="l"/>
+            <a:pPr marL="0" indent="0">
+              <a:buNone/>
+            </a:pPr>
             <a:r>
               <a:rPr lang="zh-TW" altLang="en-US" b="0" i="0" dirty="0">
                 <a:solidFill>
@@ -12498,8 +12903,29 @@
                 <a:effectLst/>
                 <a:latin typeface="Helvetica Neue"/>
               </a:rPr>
-              <a:t>若我們沒有指派成為某個變項，那麼這個物件會直接的顯示在視窗 </a:t>
-            </a:r>
+              <a:t>而若是要將資料儲存至一個代號（變項）內，也就是做</a:t>
+            </a:r>
+            <a:r>
+              <a:rPr lang="zh-TW" altLang="en-US" b="1" i="0" dirty="0">
+                <a:solidFill>
+                  <a:srgbClr val="333333"/>
+                </a:solidFill>
+                <a:effectLst/>
+                <a:latin typeface="Helvetica Neue"/>
+              </a:rPr>
+              <a:t>「變項的設定」</a:t>
+            </a:r>
+            <a:endParaRPr lang="en-US" altLang="zh-TW" dirty="0">
+              <a:solidFill>
+                <a:srgbClr val="333333"/>
+              </a:solidFill>
+              <a:latin typeface="Helvetica Neue"/>
+            </a:endParaRPr>
+          </a:p>
+          <a:p>
+            <a:pPr marL="0" indent="0">
+              <a:buNone/>
+            </a:pPr>
             <a:endParaRPr lang="en-US" altLang="zh-TW" b="0" i="0" dirty="0">
               <a:solidFill>
                 <a:srgbClr val="333333"/>
@@ -12509,29 +12935,9 @@
             </a:endParaRPr>
           </a:p>
           <a:p>
-            <a:pPr marL="0" indent="0" algn="l">
+            <a:pPr marL="0" indent="0">
               <a:buNone/>
             </a:pPr>
-            <a:endParaRPr lang="en-US" altLang="zh-TW" dirty="0">
-              <a:solidFill>
-                <a:srgbClr val="333333"/>
-              </a:solidFill>
-              <a:latin typeface="Helvetica Neue"/>
-            </a:endParaRPr>
-          </a:p>
-          <a:p>
-            <a:pPr marL="0" indent="0" algn="l">
-              <a:buNone/>
-            </a:pPr>
-            <a:endParaRPr lang="en-US" altLang="zh-TW" dirty="0">
-              <a:solidFill>
-                <a:srgbClr val="333333"/>
-              </a:solidFill>
-              <a:latin typeface="Helvetica Neue"/>
-            </a:endParaRPr>
-          </a:p>
-          <a:p>
-            <a:pPr algn="l"/>
             <a:r>
               <a:rPr lang="zh-TW" altLang="en-US" b="0" i="0" dirty="0">
                 <a:solidFill>
@@ -12540,7 +12946,7 @@
                 <a:effectLst/>
                 <a:latin typeface="Helvetica Neue"/>
               </a:rPr>
-              <a:t>若是我們有指派物件，那麼這個變項就會暫存在</a:t>
+              <a:t>可以用”</a:t>
             </a:r>
             <a:r>
               <a:rPr lang="en-US" altLang="zh-TW" b="0" i="0" dirty="0">
@@ -12550,7 +12956,7 @@
                 <a:effectLst/>
                 <a:latin typeface="Helvetica Neue"/>
               </a:rPr>
-              <a:t>R</a:t>
+              <a:t>&lt;-” </a:t>
             </a:r>
             <a:r>
               <a:rPr lang="zh-TW" altLang="en-US" b="0" i="0" dirty="0">
@@ -12560,7 +12966,7 @@
                 <a:effectLst/>
                 <a:latin typeface="Helvetica Neue"/>
               </a:rPr>
-              <a:t>語言的環境當中，可隨時拿來使用 以下範例將「</a:t>
+              <a:t>或”</a:t>
             </a:r>
             <a:r>
               <a:rPr lang="en-US" altLang="zh-TW" b="0" i="0" dirty="0">
@@ -12570,7 +12976,7 @@
                 <a:effectLst/>
                 <a:latin typeface="Helvetica Neue"/>
               </a:rPr>
-              <a:t>24</a:t>
+              <a:t>=“</a:t>
             </a:r>
             <a:r>
               <a:rPr lang="zh-TW" altLang="en-US" b="0" i="0" dirty="0">
@@ -12580,7 +12986,7 @@
                 <a:effectLst/>
                 <a:latin typeface="Helvetica Neue"/>
               </a:rPr>
-              <a:t>」作為一個物件，並指派為「</a:t>
+              <a:t>，但使用”</a:t>
             </a:r>
             <a:r>
               <a:rPr lang="en-US" altLang="zh-TW" b="0" i="0" dirty="0">
@@ -12590,7 +12996,7 @@
                 <a:effectLst/>
                 <a:latin typeface="Helvetica Neue"/>
               </a:rPr>
-              <a:t>a</a:t>
+              <a:t>&lt;-“</a:t>
             </a:r>
             <a:r>
               <a:rPr lang="zh-TW" altLang="en-US" b="0" i="0" dirty="0">
@@ -12600,6 +13006,155 @@
                 <a:effectLst/>
                 <a:latin typeface="Helvetica Neue"/>
               </a:rPr>
+              <a:t>好過”</a:t>
+            </a:r>
+            <a:r>
+              <a:rPr lang="en-US" altLang="zh-TW" b="0" i="0" dirty="0">
+                <a:solidFill>
+                  <a:srgbClr val="333333"/>
+                </a:solidFill>
+                <a:effectLst/>
+                <a:latin typeface="Helvetica Neue"/>
+              </a:rPr>
+              <a:t>=“</a:t>
+            </a:r>
+            <a:r>
+              <a:rPr lang="zh-TW" altLang="en-US" b="0" i="0" dirty="0">
+                <a:solidFill>
+                  <a:srgbClr val="333333"/>
+                </a:solidFill>
+                <a:effectLst/>
+                <a:latin typeface="Helvetica Neue"/>
+              </a:rPr>
+              <a:t>，另外也可以換個方向指派”</a:t>
+            </a:r>
+            <a:r>
+              <a:rPr lang="en-US" altLang="zh-TW" b="0" i="0" dirty="0">
+                <a:solidFill>
+                  <a:srgbClr val="333333"/>
+                </a:solidFill>
+                <a:effectLst/>
+                <a:latin typeface="Helvetica Neue"/>
+              </a:rPr>
+              <a:t>-&gt;“</a:t>
+            </a:r>
+            <a:r>
+              <a:rPr lang="zh-TW" altLang="en-US" b="0" i="0" dirty="0">
+                <a:solidFill>
+                  <a:srgbClr val="333333"/>
+                </a:solidFill>
+                <a:effectLst/>
+                <a:latin typeface="Helvetica Neue"/>
+              </a:rPr>
+              <a:t>，但通常由左至右較易閱讀因此較少使用。</a:t>
+            </a:r>
+            <a:br>
+              <a:rPr lang="zh-TW" altLang="en-US" b="0" i="0" dirty="0">
+                <a:solidFill>
+                  <a:srgbClr val="333333"/>
+                </a:solidFill>
+                <a:effectLst/>
+                <a:latin typeface="Helvetica Neue"/>
+              </a:rPr>
+            </a:br>
+            <a:r>
+              <a:rPr lang="en-US" altLang="zh-TW" b="0" i="0" dirty="0">
+                <a:solidFill>
+                  <a:srgbClr val="333333"/>
+                </a:solidFill>
+                <a:effectLst/>
+                <a:latin typeface="Helvetica Neue"/>
+              </a:rPr>
+              <a:t>(</a:t>
+            </a:r>
+            <a:r>
+              <a:rPr lang="zh-TW" altLang="en-US" b="0" i="0" dirty="0">
+                <a:solidFill>
+                  <a:srgbClr val="333333"/>
+                </a:solidFill>
+                <a:effectLst/>
+                <a:latin typeface="Helvetica Neue"/>
+              </a:rPr>
+              <a:t>「</a:t>
+            </a:r>
+            <a:r>
+              <a:rPr lang="en-US" altLang="zh-TW" b="0" i="0" dirty="0">
+                <a:solidFill>
+                  <a:srgbClr val="333333"/>
+                </a:solidFill>
+                <a:effectLst/>
+                <a:latin typeface="Helvetica Neue"/>
+              </a:rPr>
+              <a:t>&lt;-</a:t>
+            </a:r>
+            <a:r>
+              <a:rPr lang="zh-TW" altLang="en-US" b="0" i="0" dirty="0">
+                <a:solidFill>
+                  <a:srgbClr val="333333"/>
+                </a:solidFill>
+                <a:effectLst/>
+                <a:latin typeface="Helvetica Neue"/>
+              </a:rPr>
+              <a:t>」的 </a:t>
+            </a:r>
+            <a:r>
+              <a:rPr lang="en-US" altLang="zh-TW" b="0" i="0" dirty="0">
+                <a:solidFill>
+                  <a:srgbClr val="333333"/>
+                </a:solidFill>
+                <a:effectLst/>
+                <a:latin typeface="Helvetica Neue"/>
+              </a:rPr>
+              <a:t>Windows</a:t>
+            </a:r>
+            <a:r>
+              <a:rPr lang="zh-TW" altLang="en-US" b="0" i="0" dirty="0">
+                <a:solidFill>
+                  <a:srgbClr val="333333"/>
+                </a:solidFill>
+                <a:effectLst/>
+                <a:latin typeface="Helvetica Neue"/>
+              </a:rPr>
+              <a:t>快捷鍵</a:t>
+            </a:r>
+            <a:r>
+              <a:rPr lang="en-US" altLang="zh-TW" b="0" i="0" dirty="0">
+                <a:solidFill>
+                  <a:srgbClr val="333333"/>
+                </a:solidFill>
+                <a:effectLst/>
+                <a:latin typeface="Helvetica Neue"/>
+              </a:rPr>
+              <a:t>: </a:t>
+            </a:r>
+            <a:r>
+              <a:rPr lang="zh-TW" altLang="en-US" b="0" i="0" dirty="0">
+                <a:solidFill>
+                  <a:srgbClr val="333333"/>
+                </a:solidFill>
+                <a:effectLst/>
+                <a:latin typeface="Helvetica Neue"/>
+              </a:rPr>
+              <a:t>「</a:t>
+            </a:r>
+            <a:r>
+              <a:rPr lang="en-US" altLang="zh-TW" b="1" i="0" dirty="0">
+                <a:solidFill>
+                  <a:srgbClr val="333333"/>
+                </a:solidFill>
+                <a:effectLst/>
+                <a:latin typeface="Helvetica Neue"/>
+              </a:rPr>
+              <a:t>Alt+-</a:t>
+            </a:r>
+            <a:r>
+              <a:rPr lang="zh-TW" altLang="en-US" b="0" i="0" dirty="0">
+                <a:solidFill>
+                  <a:srgbClr val="333333"/>
+                </a:solidFill>
+                <a:effectLst/>
+                <a:latin typeface="Helvetica Neue"/>
+              </a:rPr>
               <a:t>」</a:t>
             </a:r>
             <a:r>
@@ -12610,205 +13165,18 @@
                 <a:effectLst/>
                 <a:latin typeface="Helvetica Neue"/>
               </a:rPr>
-              <a:t>(</a:t>
-            </a:r>
-            <a:r>
-              <a:rPr lang="zh-TW" altLang="en-US" b="0" i="0" dirty="0">
-                <a:solidFill>
-                  <a:srgbClr val="333333"/>
-                </a:solidFill>
-                <a:effectLst/>
-                <a:latin typeface="Helvetica Neue"/>
-              </a:rPr>
-              <a:t>變項名稱</a:t>
-            </a:r>
-            <a:r>
-              <a:rPr lang="en-US" altLang="zh-TW" b="0" i="0" dirty="0">
-                <a:solidFill>
-                  <a:srgbClr val="333333"/>
-                </a:solidFill>
-                <a:effectLst/>
-                <a:latin typeface="Helvetica Neue"/>
-              </a:rPr>
               <a:t>)</a:t>
             </a:r>
-            <a:r>
-              <a:rPr lang="zh-TW" altLang="en-US" b="0" i="0" dirty="0">
-                <a:solidFill>
-                  <a:srgbClr val="333333"/>
-                </a:solidFill>
-                <a:effectLst/>
-                <a:latin typeface="Helvetica Neue"/>
-              </a:rPr>
-              <a:t>。</a:t>
-            </a:r>
-            <a:endParaRPr lang="zh-TW" altLang="en-US" dirty="0"/>
-          </a:p>
-        </p:txBody>
-      </p:sp>
-      <p:pic>
-        <p:nvPicPr>
-          <p:cNvPr id="5" name="圖片 4">
-            <a:extLst>
-              <a:ext uri="{FF2B5EF4-FFF2-40B4-BE49-F238E27FC236}">
-                <a16:creationId xmlns:a16="http://schemas.microsoft.com/office/drawing/2014/main" id="{C9D1CAE3-65C5-4436-B323-81D6E11B2F1D}"/>
-              </a:ext>
-            </a:extLst>
-          </p:cNvPr>
-          <p:cNvPicPr>
-            <a:picLocks noChangeAspect="1"/>
-          </p:cNvPicPr>
-          <p:nvPr/>
-        </p:nvPicPr>
-        <p:blipFill>
-          <a:blip r:embed="rId2"/>
-          <a:stretch>
-            <a:fillRect/>
-          </a:stretch>
-        </p:blipFill>
-        <p:spPr>
-          <a:xfrm>
-            <a:off x="7890568" y="927241"/>
-            <a:ext cx="1695560" cy="1586490"/>
-          </a:xfrm>
-          <a:prstGeom prst="rect">
-            <a:avLst/>
-          </a:prstGeom>
-        </p:spPr>
-      </p:pic>
-      <p:pic>
-        <p:nvPicPr>
-          <p:cNvPr id="9" name="圖片 8">
-            <a:extLst>
-              <a:ext uri="{FF2B5EF4-FFF2-40B4-BE49-F238E27FC236}">
-                <a16:creationId xmlns:a16="http://schemas.microsoft.com/office/drawing/2014/main" id="{390C5635-D321-4675-B866-5ADB6523B299}"/>
-              </a:ext>
-            </a:extLst>
-          </p:cNvPr>
-          <p:cNvPicPr>
-            <a:picLocks noChangeAspect="1"/>
-          </p:cNvPicPr>
-          <p:nvPr/>
-        </p:nvPicPr>
-        <p:blipFill>
-          <a:blip r:embed="rId3"/>
-          <a:stretch>
-            <a:fillRect/>
-          </a:stretch>
-        </p:blipFill>
-        <p:spPr>
-          <a:xfrm>
-            <a:off x="7810181" y="2819203"/>
-            <a:ext cx="2931507" cy="3535339"/>
-          </a:xfrm>
-          <a:prstGeom prst="rect">
-            <a:avLst/>
-          </a:prstGeom>
-        </p:spPr>
-      </p:pic>
-      <p:pic>
-        <p:nvPicPr>
-          <p:cNvPr id="11" name="圖片 10">
-            <a:extLst>
-              <a:ext uri="{FF2B5EF4-FFF2-40B4-BE49-F238E27FC236}">
-                <a16:creationId xmlns:a16="http://schemas.microsoft.com/office/drawing/2014/main" id="{D0960EFE-FE26-4EFF-996A-89FC1406DA41}"/>
-              </a:ext>
-            </a:extLst>
-          </p:cNvPr>
-          <p:cNvPicPr>
-            <a:picLocks noChangeAspect="1"/>
-          </p:cNvPicPr>
-          <p:nvPr/>
-        </p:nvPicPr>
-        <p:blipFill>
-          <a:blip r:embed="rId4"/>
-          <a:stretch>
-            <a:fillRect/>
-          </a:stretch>
-        </p:blipFill>
-        <p:spPr>
-          <a:xfrm>
-            <a:off x="612802" y="4496438"/>
-            <a:ext cx="6250222" cy="2077437"/>
-          </a:xfrm>
-          <a:prstGeom prst="rect">
-            <a:avLst/>
-          </a:prstGeom>
-        </p:spPr>
-      </p:pic>
-      <p:sp>
-        <p:nvSpPr>
-          <p:cNvPr id="15" name="文字方塊 14">
-            <a:extLst>
-              <a:ext uri="{FF2B5EF4-FFF2-40B4-BE49-F238E27FC236}">
-                <a16:creationId xmlns:a16="http://schemas.microsoft.com/office/drawing/2014/main" id="{3B75DDBD-11B3-4D4B-AD8B-CB5FA0D7744A}"/>
-              </a:ext>
-            </a:extLst>
-          </p:cNvPr>
-          <p:cNvSpPr txBox="1"/>
-          <p:nvPr/>
-        </p:nvSpPr>
-        <p:spPr>
-          <a:xfrm>
-            <a:off x="7810181" y="409768"/>
-            <a:ext cx="2820974" cy="369332"/>
-          </a:xfrm>
-          <a:prstGeom prst="rect">
-            <a:avLst/>
-          </a:prstGeom>
-          <a:noFill/>
-        </p:spPr>
-        <p:txBody>
-          <a:bodyPr wrap="square">
-            <a:spAutoFit/>
-          </a:bodyPr>
-          <a:lstStyle/>
-          <a:p>
-            <a:pPr algn="l"/>
-            <a:r>
-              <a:rPr lang="zh-TW" altLang="en-US" b="0" i="0" dirty="0">
-                <a:solidFill>
-                  <a:srgbClr val="333333"/>
-                </a:solidFill>
-                <a:effectLst/>
-                <a:latin typeface="Helvetica Neue"/>
-              </a:rPr>
-              <a:t>以下範例單獨顯示「</a:t>
-            </a:r>
-            <a:r>
-              <a:rPr lang="en-US" altLang="zh-TW" b="0" i="0" dirty="0">
-                <a:solidFill>
-                  <a:srgbClr val="333333"/>
-                </a:solidFill>
-                <a:effectLst/>
-                <a:latin typeface="Helvetica Neue"/>
-              </a:rPr>
-              <a:t>24</a:t>
-            </a:r>
-            <a:r>
-              <a:rPr lang="zh-TW" altLang="en-US" b="0" i="0" dirty="0">
-                <a:solidFill>
-                  <a:srgbClr val="333333"/>
-                </a:solidFill>
-                <a:effectLst/>
-                <a:latin typeface="Helvetica Neue"/>
-              </a:rPr>
-              <a:t>」</a:t>
-            </a:r>
-            <a:endParaRPr lang="en-US" altLang="zh-TW" b="0" i="0" dirty="0">
-              <a:solidFill>
-                <a:srgbClr val="333333"/>
-              </a:solidFill>
-              <a:effectLst/>
-              <a:latin typeface="Helvetica Neue"/>
-            </a:endParaRPr>
           </a:p>
         </p:txBody>
       </p:sp>
     </p:spTree>
+    <p:custDataLst>
+      <p:tags r:id="rId1"/>
+    </p:custDataLst>
     <p:extLst>
       <p:ext uri="{BB962C8B-B14F-4D97-AF65-F5344CB8AC3E}">
-        <p14:creationId xmlns:p14="http://schemas.microsoft.com/office/powerpoint/2010/main" val="3456957358"/>
+        <p14:creationId xmlns:p14="http://schemas.microsoft.com/office/powerpoint/2010/main" val="594151100"/>
       </p:ext>
     </p:extLst>
   </p:cSld>
@@ -12840,6 +13208,619 @@
           <p:cNvPr id="3" name="內容版面配置區 2">
             <a:extLst>
               <a:ext uri="{FF2B5EF4-FFF2-40B4-BE49-F238E27FC236}">
+                <a16:creationId xmlns:a16="http://schemas.microsoft.com/office/drawing/2014/main" id="{BC1D7485-679B-485C-8E1C-3598FEA2CC6D}"/>
+              </a:ext>
+            </a:extLst>
+          </p:cNvPr>
+          <p:cNvSpPr>
+            <a:spLocks noGrp="1"/>
+          </p:cNvSpPr>
+          <p:nvPr>
+            <p:ph idx="1"/>
+          </p:nvPr>
+        </p:nvSpPr>
+        <p:spPr>
+          <a:xfrm>
+            <a:off x="393014" y="519234"/>
+            <a:ext cx="6898371" cy="3771412"/>
+          </a:xfrm>
+        </p:spPr>
+        <p:txBody>
+          <a:bodyPr>
+            <a:normAutofit/>
+          </a:bodyPr>
+          <a:lstStyle/>
+          <a:p>
+            <a:pPr algn="l"/>
+            <a:r>
+              <a:rPr lang="zh-TW" altLang="en-US" b="0" i="0" dirty="0">
+                <a:solidFill>
+                  <a:srgbClr val="333333"/>
+                </a:solidFill>
+                <a:effectLst/>
+                <a:latin typeface="Helvetica Neue"/>
+              </a:rPr>
+              <a:t>若我們沒有指派成為某個變項，那麼這個物件會直接的顯示在視窗 </a:t>
+            </a:r>
+            <a:endParaRPr lang="en-US" altLang="zh-TW" b="0" i="0" dirty="0">
+              <a:solidFill>
+                <a:srgbClr val="333333"/>
+              </a:solidFill>
+              <a:effectLst/>
+              <a:latin typeface="Helvetica Neue"/>
+            </a:endParaRPr>
+          </a:p>
+          <a:p>
+            <a:pPr marL="0" indent="0" algn="l">
+              <a:buNone/>
+            </a:pPr>
+            <a:endParaRPr lang="en-US" altLang="zh-TW" dirty="0">
+              <a:solidFill>
+                <a:srgbClr val="333333"/>
+              </a:solidFill>
+              <a:latin typeface="Helvetica Neue"/>
+            </a:endParaRPr>
+          </a:p>
+          <a:p>
+            <a:pPr marL="0" indent="0" algn="l">
+              <a:buNone/>
+            </a:pPr>
+            <a:endParaRPr lang="en-US" altLang="zh-TW" dirty="0">
+              <a:solidFill>
+                <a:srgbClr val="333333"/>
+              </a:solidFill>
+              <a:latin typeface="Helvetica Neue"/>
+            </a:endParaRPr>
+          </a:p>
+          <a:p>
+            <a:pPr algn="l"/>
+            <a:r>
+              <a:rPr lang="zh-TW" altLang="en-US" b="0" i="0" dirty="0">
+                <a:solidFill>
+                  <a:srgbClr val="333333"/>
+                </a:solidFill>
+                <a:effectLst/>
+                <a:latin typeface="Helvetica Neue"/>
+              </a:rPr>
+              <a:t>若是我們有指派物件，那麼這個變項就會暫存在</a:t>
+            </a:r>
+            <a:r>
+              <a:rPr lang="en-US" altLang="zh-TW" b="0" i="0" dirty="0">
+                <a:solidFill>
+                  <a:srgbClr val="333333"/>
+                </a:solidFill>
+                <a:effectLst/>
+                <a:latin typeface="Helvetica Neue"/>
+              </a:rPr>
+              <a:t>R</a:t>
+            </a:r>
+            <a:r>
+              <a:rPr lang="zh-TW" altLang="en-US" b="0" i="0" dirty="0">
+                <a:solidFill>
+                  <a:srgbClr val="333333"/>
+                </a:solidFill>
+                <a:effectLst/>
+                <a:latin typeface="Helvetica Neue"/>
+              </a:rPr>
+              <a:t>語言的環境當中，可隨時拿來使用 以下範例將「</a:t>
+            </a:r>
+            <a:r>
+              <a:rPr lang="en-US" altLang="zh-TW" b="0" i="0" dirty="0">
+                <a:solidFill>
+                  <a:srgbClr val="333333"/>
+                </a:solidFill>
+                <a:effectLst/>
+                <a:latin typeface="Helvetica Neue"/>
+              </a:rPr>
+              <a:t>24</a:t>
+            </a:r>
+            <a:r>
+              <a:rPr lang="zh-TW" altLang="en-US" b="0" i="0" dirty="0">
+                <a:solidFill>
+                  <a:srgbClr val="333333"/>
+                </a:solidFill>
+                <a:effectLst/>
+                <a:latin typeface="Helvetica Neue"/>
+              </a:rPr>
+              <a:t>」作為一個物件，並指派為「</a:t>
+            </a:r>
+            <a:r>
+              <a:rPr lang="en-US" altLang="zh-TW" b="0" i="0" dirty="0">
+                <a:solidFill>
+                  <a:srgbClr val="333333"/>
+                </a:solidFill>
+                <a:effectLst/>
+                <a:latin typeface="Helvetica Neue"/>
+              </a:rPr>
+              <a:t>a</a:t>
+            </a:r>
+            <a:r>
+              <a:rPr lang="zh-TW" altLang="en-US" b="0" i="0" dirty="0">
+                <a:solidFill>
+                  <a:srgbClr val="333333"/>
+                </a:solidFill>
+                <a:effectLst/>
+                <a:latin typeface="Helvetica Neue"/>
+              </a:rPr>
+              <a:t>」</a:t>
+            </a:r>
+            <a:r>
+              <a:rPr lang="en-US" altLang="zh-TW" b="0" i="0" dirty="0">
+                <a:solidFill>
+                  <a:srgbClr val="333333"/>
+                </a:solidFill>
+                <a:effectLst/>
+                <a:latin typeface="Helvetica Neue"/>
+              </a:rPr>
+              <a:t>(</a:t>
+            </a:r>
+            <a:r>
+              <a:rPr lang="zh-TW" altLang="en-US" b="0" i="0" dirty="0">
+                <a:solidFill>
+                  <a:srgbClr val="333333"/>
+                </a:solidFill>
+                <a:effectLst/>
+                <a:latin typeface="Helvetica Neue"/>
+              </a:rPr>
+              <a:t>變項名稱</a:t>
+            </a:r>
+            <a:r>
+              <a:rPr lang="en-US" altLang="zh-TW" b="0" i="0" dirty="0">
+                <a:solidFill>
+                  <a:srgbClr val="333333"/>
+                </a:solidFill>
+                <a:effectLst/>
+                <a:latin typeface="Helvetica Neue"/>
+              </a:rPr>
+              <a:t>)</a:t>
+            </a:r>
+            <a:r>
+              <a:rPr lang="zh-TW" altLang="en-US" b="0" i="0" dirty="0">
+                <a:solidFill>
+                  <a:srgbClr val="333333"/>
+                </a:solidFill>
+                <a:effectLst/>
+                <a:latin typeface="Helvetica Neue"/>
+              </a:rPr>
+              <a:t>。</a:t>
+            </a:r>
+            <a:endParaRPr lang="zh-TW" altLang="en-US" dirty="0"/>
+          </a:p>
+        </p:txBody>
+      </p:sp>
+      <p:pic>
+        <p:nvPicPr>
+          <p:cNvPr id="5" name="圖片 4">
+            <a:extLst>
+              <a:ext uri="{FF2B5EF4-FFF2-40B4-BE49-F238E27FC236}">
+                <a16:creationId xmlns:a16="http://schemas.microsoft.com/office/drawing/2014/main" id="{C9D1CAE3-65C5-4436-B323-81D6E11B2F1D}"/>
+              </a:ext>
+            </a:extLst>
+          </p:cNvPr>
+          <p:cNvPicPr>
+            <a:picLocks noChangeAspect="1"/>
+          </p:cNvPicPr>
+          <p:nvPr/>
+        </p:nvPicPr>
+        <p:blipFill>
+          <a:blip r:embed="rId2"/>
+          <a:stretch>
+            <a:fillRect/>
+          </a:stretch>
+        </p:blipFill>
+        <p:spPr>
+          <a:xfrm>
+            <a:off x="7890568" y="927241"/>
+            <a:ext cx="1695560" cy="1586490"/>
+          </a:xfrm>
+          <a:prstGeom prst="rect">
+            <a:avLst/>
+          </a:prstGeom>
+        </p:spPr>
+      </p:pic>
+      <p:pic>
+        <p:nvPicPr>
+          <p:cNvPr id="9" name="圖片 8">
+            <a:extLst>
+              <a:ext uri="{FF2B5EF4-FFF2-40B4-BE49-F238E27FC236}">
+                <a16:creationId xmlns:a16="http://schemas.microsoft.com/office/drawing/2014/main" id="{390C5635-D321-4675-B866-5ADB6523B299}"/>
+              </a:ext>
+            </a:extLst>
+          </p:cNvPr>
+          <p:cNvPicPr>
+            <a:picLocks noChangeAspect="1"/>
+          </p:cNvPicPr>
+          <p:nvPr/>
+        </p:nvPicPr>
+        <p:blipFill>
+          <a:blip r:embed="rId3"/>
+          <a:stretch>
+            <a:fillRect/>
+          </a:stretch>
+        </p:blipFill>
+        <p:spPr>
+          <a:xfrm>
+            <a:off x="7810181" y="2819203"/>
+            <a:ext cx="2931507" cy="3535339"/>
+          </a:xfrm>
+          <a:prstGeom prst="rect">
+            <a:avLst/>
+          </a:prstGeom>
+        </p:spPr>
+      </p:pic>
+      <p:pic>
+        <p:nvPicPr>
+          <p:cNvPr id="11" name="圖片 10">
+            <a:extLst>
+              <a:ext uri="{FF2B5EF4-FFF2-40B4-BE49-F238E27FC236}">
+                <a16:creationId xmlns:a16="http://schemas.microsoft.com/office/drawing/2014/main" id="{D0960EFE-FE26-4EFF-996A-89FC1406DA41}"/>
+              </a:ext>
+            </a:extLst>
+          </p:cNvPr>
+          <p:cNvPicPr>
+            <a:picLocks noChangeAspect="1"/>
+          </p:cNvPicPr>
+          <p:nvPr/>
+        </p:nvPicPr>
+        <p:blipFill>
+          <a:blip r:embed="rId4"/>
+          <a:stretch>
+            <a:fillRect/>
+          </a:stretch>
+        </p:blipFill>
+        <p:spPr>
+          <a:xfrm>
+            <a:off x="612802" y="4496438"/>
+            <a:ext cx="6250222" cy="2077437"/>
+          </a:xfrm>
+          <a:prstGeom prst="rect">
+            <a:avLst/>
+          </a:prstGeom>
+        </p:spPr>
+      </p:pic>
+      <p:sp>
+        <p:nvSpPr>
+          <p:cNvPr id="15" name="文字方塊 14">
+            <a:extLst>
+              <a:ext uri="{FF2B5EF4-FFF2-40B4-BE49-F238E27FC236}">
+                <a16:creationId xmlns:a16="http://schemas.microsoft.com/office/drawing/2014/main" id="{3B75DDBD-11B3-4D4B-AD8B-CB5FA0D7744A}"/>
+              </a:ext>
+            </a:extLst>
+          </p:cNvPr>
+          <p:cNvSpPr txBox="1"/>
+          <p:nvPr/>
+        </p:nvSpPr>
+        <p:spPr>
+          <a:xfrm>
+            <a:off x="7810181" y="409768"/>
+            <a:ext cx="2820974" cy="369332"/>
+          </a:xfrm>
+          <a:prstGeom prst="rect">
+            <a:avLst/>
+          </a:prstGeom>
+          <a:noFill/>
+        </p:spPr>
+        <p:txBody>
+          <a:bodyPr wrap="square">
+            <a:spAutoFit/>
+          </a:bodyPr>
+          <a:lstStyle/>
+          <a:p>
+            <a:pPr algn="l"/>
+            <a:r>
+              <a:rPr lang="zh-TW" altLang="en-US" b="0" i="0" dirty="0">
+                <a:solidFill>
+                  <a:srgbClr val="333333"/>
+                </a:solidFill>
+                <a:effectLst/>
+                <a:latin typeface="Helvetica Neue"/>
+              </a:rPr>
+              <a:t>以下範例單獨顯示「</a:t>
+            </a:r>
+            <a:r>
+              <a:rPr lang="en-US" altLang="zh-TW" b="0" i="0" dirty="0">
+                <a:solidFill>
+                  <a:srgbClr val="333333"/>
+                </a:solidFill>
+                <a:effectLst/>
+                <a:latin typeface="Helvetica Neue"/>
+              </a:rPr>
+              <a:t>24</a:t>
+            </a:r>
+            <a:r>
+              <a:rPr lang="zh-TW" altLang="en-US" b="0" i="0" dirty="0">
+                <a:solidFill>
+                  <a:srgbClr val="333333"/>
+                </a:solidFill>
+                <a:effectLst/>
+                <a:latin typeface="Helvetica Neue"/>
+              </a:rPr>
+              <a:t>」</a:t>
+            </a:r>
+            <a:endParaRPr lang="en-US" altLang="zh-TW" b="0" i="0" dirty="0">
+              <a:solidFill>
+                <a:srgbClr val="333333"/>
+              </a:solidFill>
+              <a:effectLst/>
+              <a:latin typeface="Helvetica Neue"/>
+            </a:endParaRPr>
+          </a:p>
+        </p:txBody>
+      </p:sp>
+    </p:spTree>
+    <p:extLst>
+      <p:ext uri="{BB962C8B-B14F-4D97-AF65-F5344CB8AC3E}">
+        <p14:creationId xmlns:p14="http://schemas.microsoft.com/office/powerpoint/2010/main" val="3456957358"/>
+      </p:ext>
+    </p:extLst>
+  </p:cSld>
+  <p:clrMapOvr>
+    <a:masterClrMapping/>
+  </p:clrMapOvr>
+</p:sld>
+</file>
+
+<file path=ppt/slides/slide7.xml><?xml version="1.0" encoding="utf-8"?>
+<p:sld xmlns:a="http://schemas.openxmlformats.org/drawingml/2006/main" xmlns:r="http://schemas.openxmlformats.org/officeDocument/2006/relationships" xmlns:p="http://schemas.openxmlformats.org/presentationml/2006/main">
+  <p:cSld>
+    <p:spTree>
+      <p:nvGrpSpPr>
+        <p:cNvPr id="1" name=""/>
+        <p:cNvGrpSpPr/>
+        <p:nvPr/>
+      </p:nvGrpSpPr>
+      <p:grpSpPr>
+        <a:xfrm>
+          <a:off x="0" y="0"/>
+          <a:ext cx="0" cy="0"/>
+          <a:chOff x="0" y="0"/>
+          <a:chExt cx="0" cy="0"/>
+        </a:xfrm>
+      </p:grpSpPr>
+      <p:sp>
+        <p:nvSpPr>
+          <p:cNvPr id="3" name="內容版面配置區 2">
+            <a:extLst>
+              <a:ext uri="{FF2B5EF4-FFF2-40B4-BE49-F238E27FC236}">
+                <a16:creationId xmlns:a16="http://schemas.microsoft.com/office/drawing/2014/main" id="{BC1D7485-679B-485C-8E1C-3598FEA2CC6D}"/>
+              </a:ext>
+            </a:extLst>
+          </p:cNvPr>
+          <p:cNvSpPr>
+            <a:spLocks noGrp="1"/>
+          </p:cNvSpPr>
+          <p:nvPr>
+            <p:ph idx="1"/>
+          </p:nvPr>
+        </p:nvSpPr>
+        <p:spPr>
+          <a:xfrm>
+            <a:off x="367256" y="1433634"/>
+            <a:ext cx="6898371" cy="3771412"/>
+          </a:xfrm>
+        </p:spPr>
+        <p:txBody>
+          <a:bodyPr>
+            <a:normAutofit/>
+          </a:bodyPr>
+          <a:lstStyle/>
+          <a:p>
+            <a:pPr algn="l"/>
+            <a:r>
+              <a:rPr lang="zh-TW" altLang="en-US" dirty="0"/>
+              <a:t>我們可以用「代數」的方式來做簡單的理解</a:t>
+            </a:r>
+            <a:endParaRPr lang="en-US" altLang="zh-TW" dirty="0"/>
+          </a:p>
+          <a:p>
+            <a:pPr algn="l"/>
+            <a:endParaRPr lang="en-US" altLang="zh-TW" dirty="0"/>
+          </a:p>
+          <a:p>
+            <a:pPr algn="l"/>
+            <a:r>
+              <a:rPr lang="en-US" altLang="zh-TW" dirty="0"/>
+              <a:t>a &lt;- 24</a:t>
+            </a:r>
+            <a:r>
+              <a:rPr lang="zh-TW" altLang="en-US" dirty="0"/>
+              <a:t> 就是告訴</a:t>
+            </a:r>
+            <a:r>
+              <a:rPr lang="en-US" altLang="zh-TW" dirty="0"/>
+              <a:t>R</a:t>
+            </a:r>
+            <a:r>
+              <a:rPr lang="zh-TW" altLang="en-US" dirty="0"/>
+              <a:t>語言，現在我要用</a:t>
+            </a:r>
+            <a:r>
+              <a:rPr lang="en-US" altLang="zh-TW" dirty="0"/>
+              <a:t>a</a:t>
+            </a:r>
+            <a:r>
+              <a:rPr lang="zh-TW" altLang="en-US" dirty="0"/>
+              <a:t>來代表</a:t>
+            </a:r>
+            <a:r>
+              <a:rPr lang="en-US" altLang="zh-TW" dirty="0"/>
+              <a:t>24</a:t>
+            </a:r>
+          </a:p>
+          <a:p>
+            <a:pPr algn="l"/>
+            <a:endParaRPr lang="en-US" altLang="zh-TW" dirty="0"/>
+          </a:p>
+          <a:p>
+            <a:pPr algn="l"/>
+            <a:endParaRPr lang="zh-TW" altLang="en-US" dirty="0"/>
+          </a:p>
+        </p:txBody>
+      </p:sp>
+      <p:pic>
+        <p:nvPicPr>
+          <p:cNvPr id="5" name="圖片 4">
+            <a:extLst>
+              <a:ext uri="{FF2B5EF4-FFF2-40B4-BE49-F238E27FC236}">
+                <a16:creationId xmlns:a16="http://schemas.microsoft.com/office/drawing/2014/main" id="{C9D1CAE3-65C5-4436-B323-81D6E11B2F1D}"/>
+              </a:ext>
+            </a:extLst>
+          </p:cNvPr>
+          <p:cNvPicPr>
+            <a:picLocks noChangeAspect="1"/>
+          </p:cNvPicPr>
+          <p:nvPr/>
+        </p:nvPicPr>
+        <p:blipFill>
+          <a:blip r:embed="rId2"/>
+          <a:stretch>
+            <a:fillRect/>
+          </a:stretch>
+        </p:blipFill>
+        <p:spPr>
+          <a:xfrm>
+            <a:off x="7890568" y="927241"/>
+            <a:ext cx="1695560" cy="1586490"/>
+          </a:xfrm>
+          <a:prstGeom prst="rect">
+            <a:avLst/>
+          </a:prstGeom>
+        </p:spPr>
+      </p:pic>
+      <p:pic>
+        <p:nvPicPr>
+          <p:cNvPr id="9" name="圖片 8">
+            <a:extLst>
+              <a:ext uri="{FF2B5EF4-FFF2-40B4-BE49-F238E27FC236}">
+                <a16:creationId xmlns:a16="http://schemas.microsoft.com/office/drawing/2014/main" id="{390C5635-D321-4675-B866-5ADB6523B299}"/>
+              </a:ext>
+            </a:extLst>
+          </p:cNvPr>
+          <p:cNvPicPr>
+            <a:picLocks noChangeAspect="1"/>
+          </p:cNvPicPr>
+          <p:nvPr/>
+        </p:nvPicPr>
+        <p:blipFill>
+          <a:blip r:embed="rId3"/>
+          <a:stretch>
+            <a:fillRect/>
+          </a:stretch>
+        </p:blipFill>
+        <p:spPr>
+          <a:xfrm>
+            <a:off x="7810181" y="2819203"/>
+            <a:ext cx="2931507" cy="3535339"/>
+          </a:xfrm>
+          <a:prstGeom prst="rect">
+            <a:avLst/>
+          </a:prstGeom>
+        </p:spPr>
+      </p:pic>
+      <p:sp>
+        <p:nvSpPr>
+          <p:cNvPr id="15" name="文字方塊 14">
+            <a:extLst>
+              <a:ext uri="{FF2B5EF4-FFF2-40B4-BE49-F238E27FC236}">
+                <a16:creationId xmlns:a16="http://schemas.microsoft.com/office/drawing/2014/main" id="{3B75DDBD-11B3-4D4B-AD8B-CB5FA0D7744A}"/>
+              </a:ext>
+            </a:extLst>
+          </p:cNvPr>
+          <p:cNvSpPr txBox="1"/>
+          <p:nvPr/>
+        </p:nvSpPr>
+        <p:spPr>
+          <a:xfrm>
+            <a:off x="7810181" y="409768"/>
+            <a:ext cx="2820974" cy="369332"/>
+          </a:xfrm>
+          <a:prstGeom prst="rect">
+            <a:avLst/>
+          </a:prstGeom>
+          <a:noFill/>
+        </p:spPr>
+        <p:txBody>
+          <a:bodyPr wrap="square">
+            <a:spAutoFit/>
+          </a:bodyPr>
+          <a:lstStyle/>
+          <a:p>
+            <a:pPr algn="l"/>
+            <a:r>
+              <a:rPr lang="zh-TW" altLang="en-US" b="0" i="0" dirty="0">
+                <a:solidFill>
+                  <a:srgbClr val="333333"/>
+                </a:solidFill>
+                <a:effectLst/>
+                <a:latin typeface="Helvetica Neue"/>
+              </a:rPr>
+              <a:t>以下範例單獨顯示「</a:t>
+            </a:r>
+            <a:r>
+              <a:rPr lang="en-US" altLang="zh-TW" b="0" i="0" dirty="0">
+                <a:solidFill>
+                  <a:srgbClr val="333333"/>
+                </a:solidFill>
+                <a:effectLst/>
+                <a:latin typeface="Helvetica Neue"/>
+              </a:rPr>
+              <a:t>24</a:t>
+            </a:r>
+            <a:r>
+              <a:rPr lang="zh-TW" altLang="en-US" b="0" i="0" dirty="0">
+                <a:solidFill>
+                  <a:srgbClr val="333333"/>
+                </a:solidFill>
+                <a:effectLst/>
+                <a:latin typeface="Helvetica Neue"/>
+              </a:rPr>
+              <a:t>」</a:t>
+            </a:r>
+            <a:endParaRPr lang="en-US" altLang="zh-TW" b="0" i="0" dirty="0">
+              <a:solidFill>
+                <a:srgbClr val="333333"/>
+              </a:solidFill>
+              <a:effectLst/>
+              <a:latin typeface="Helvetica Neue"/>
+            </a:endParaRPr>
+          </a:p>
+        </p:txBody>
+      </p:sp>
+    </p:spTree>
+    <p:extLst>
+      <p:ext uri="{BB962C8B-B14F-4D97-AF65-F5344CB8AC3E}">
+        <p14:creationId xmlns:p14="http://schemas.microsoft.com/office/powerpoint/2010/main" val="2469276962"/>
+      </p:ext>
+    </p:extLst>
+  </p:cSld>
+  <p:clrMapOvr>
+    <a:masterClrMapping/>
+  </p:clrMapOvr>
+</p:sld>
+</file>
+
+<file path=ppt/slides/slide8.xml><?xml version="1.0" encoding="utf-8"?>
+<p:sld xmlns:a="http://schemas.openxmlformats.org/drawingml/2006/main" xmlns:r="http://schemas.openxmlformats.org/officeDocument/2006/relationships" xmlns:p="http://schemas.openxmlformats.org/presentationml/2006/main">
+  <p:cSld>
+    <p:spTree>
+      <p:nvGrpSpPr>
+        <p:cNvPr id="1" name=""/>
+        <p:cNvGrpSpPr/>
+        <p:nvPr/>
+      </p:nvGrpSpPr>
+      <p:grpSpPr>
+        <a:xfrm>
+          <a:off x="0" y="0"/>
+          <a:ext cx="0" cy="0"/>
+          <a:chOff x="0" y="0"/>
+          <a:chExt cx="0" cy="0"/>
+        </a:xfrm>
+      </p:grpSpPr>
+      <p:sp>
+        <p:nvSpPr>
+          <p:cNvPr id="3" name="內容版面配置區 2">
+            <a:extLst>
+              <a:ext uri="{FF2B5EF4-FFF2-40B4-BE49-F238E27FC236}">
                 <a16:creationId xmlns:a16="http://schemas.microsoft.com/office/drawing/2014/main" id="{E9154029-7422-43C8-8AD2-E62555481A9E}"/>
               </a:ext>
             </a:extLst>
@@ -13203,6 +14184,9 @@
             </a:endParaRPr>
           </a:p>
           <a:p>
+            <a:pPr marL="0" indent="0">
+              <a:buNone/>
+            </a:pPr>
             <a:endParaRPr lang="en-US" altLang="zh-TW" dirty="0">
               <a:solidFill>
                 <a:srgbClr val="333333"/>
@@ -13215,6 +14199,64 @@
               <a:buNone/>
             </a:pPr>
             <a:r>
+              <a:rPr lang="en-US" altLang="zh-TW" dirty="0"/>
+              <a:t>a &lt;- 24</a:t>
+            </a:r>
+            <a:r>
+              <a:rPr lang="zh-TW" altLang="en-US" dirty="0"/>
+              <a:t> </a:t>
+            </a:r>
+            <a:endParaRPr lang="en-US" altLang="zh-TW" dirty="0"/>
+          </a:p>
+          <a:p>
+            <a:pPr marL="0" indent="0">
+              <a:buNone/>
+            </a:pPr>
+            <a:r>
+              <a:rPr lang="zh-TW" altLang="en-US" dirty="0"/>
+              <a:t>就是告訴</a:t>
+            </a:r>
+            <a:r>
+              <a:rPr lang="en-US" altLang="zh-TW" dirty="0"/>
+              <a:t>R</a:t>
+            </a:r>
+            <a:r>
+              <a:rPr lang="zh-TW" altLang="en-US" dirty="0"/>
+              <a:t>語言，現在我要用</a:t>
+            </a:r>
+            <a:r>
+              <a:rPr lang="en-US" altLang="zh-TW" dirty="0"/>
+              <a:t>a</a:t>
+            </a:r>
+            <a:r>
+              <a:rPr lang="zh-TW" altLang="en-US" dirty="0"/>
+              <a:t>來代表</a:t>
+            </a:r>
+            <a:r>
+              <a:rPr lang="en-US" altLang="zh-TW" dirty="0"/>
+              <a:t>24</a:t>
+            </a:r>
+          </a:p>
+          <a:p>
+            <a:pPr marL="0" indent="0">
+              <a:buNone/>
+            </a:pPr>
+            <a:r>
+              <a:rPr lang="en-US" altLang="zh-TW" dirty="0"/>
+              <a:t>b &lt;- a - 24</a:t>
+            </a:r>
+            <a:endParaRPr lang="en-US" altLang="zh-TW" dirty="0">
+              <a:solidFill>
+                <a:srgbClr val="333333"/>
+              </a:solidFill>
+              <a:latin typeface="Helvetica Neue"/>
+            </a:endParaRPr>
+          </a:p>
+          <a:p>
+            <a:pPr marL="0" indent="0">
+              <a:buNone/>
+            </a:pPr>
+            <a:r>
               <a:rPr lang="zh-TW" altLang="en-US" b="0" i="0" dirty="0">
                 <a:solidFill>
                   <a:srgbClr val="333333"/>
@@ -13222,7 +14264,7 @@
                 <a:effectLst/>
                 <a:latin typeface="Helvetica Neue"/>
               </a:rPr>
-              <a:t>而因為原先</a:t>
+              <a:t>因為</a:t>
             </a:r>
             <a:r>
               <a:rPr lang="en-US" altLang="zh-TW" b="0" i="0" dirty="0">
@@ -13356,7 +14398,7 @@
 </p:sld>
 </file>
 
-<file path=ppt/slides/slide7.xml><?xml version="1.0" encoding="utf-8"?>
+<file path=ppt/slides/slide9.xml><?xml version="1.0" encoding="utf-8"?>
 <p:sld xmlns:a="http://schemas.openxmlformats.org/drawingml/2006/main" xmlns:r="http://schemas.openxmlformats.org/officeDocument/2006/relationships" xmlns:p="http://schemas.openxmlformats.org/presentationml/2006/main">
   <p:cSld>
     <p:spTree>
@@ -13761,7 +14803,7 @@
                 <a:effectLst/>
                 <a:latin typeface="Helvetica Neue"/>
               </a:rPr>
-              <a:t>C</a:t>
+              <a:t>c</a:t>
             </a:r>
             <a:r>
               <a:rPr lang="zh-TW" altLang="en-US" b="0" i="0" dirty="0">
@@ -13831,474 +14873,6 @@
     <p:extLst>
       <p:ext uri="{BB962C8B-B14F-4D97-AF65-F5344CB8AC3E}">
         <p14:creationId xmlns:p14="http://schemas.microsoft.com/office/powerpoint/2010/main" val="3668395063"/>
-      </p:ext>
-    </p:extLst>
-  </p:cSld>
-  <p:clrMapOvr>
-    <a:masterClrMapping/>
-  </p:clrMapOvr>
-</p:sld>
-</file>
-
-<file path=ppt/slides/slide8.xml><?xml version="1.0" encoding="utf-8"?>
-<p:sld xmlns:a="http://schemas.openxmlformats.org/drawingml/2006/main" xmlns:r="http://schemas.openxmlformats.org/officeDocument/2006/relationships" xmlns:p="http://schemas.openxmlformats.org/presentationml/2006/main">
-  <p:cSld>
-    <p:spTree>
-      <p:nvGrpSpPr>
-        <p:cNvPr id="1" name=""/>
-        <p:cNvGrpSpPr/>
-        <p:nvPr/>
-      </p:nvGrpSpPr>
-      <p:grpSpPr>
-        <a:xfrm>
-          <a:off x="0" y="0"/>
-          <a:ext cx="0" cy="0"/>
-          <a:chOff x="0" y="0"/>
-          <a:chExt cx="0" cy="0"/>
-        </a:xfrm>
-      </p:grpSpPr>
-      <p:sp>
-        <p:nvSpPr>
-          <p:cNvPr id="2" name="標題 1">
-            <a:extLst>
-              <a:ext uri="{FF2B5EF4-FFF2-40B4-BE49-F238E27FC236}">
-                <a16:creationId xmlns:a16="http://schemas.microsoft.com/office/drawing/2014/main" id="{111FB3C0-37D9-4E29-9BAD-9DC1DA32531E}"/>
-              </a:ext>
-            </a:extLst>
-          </p:cNvPr>
-          <p:cNvSpPr>
-            <a:spLocks noGrp="1"/>
-          </p:cNvSpPr>
-          <p:nvPr>
-            <p:ph type="title"/>
-          </p:nvPr>
-        </p:nvSpPr>
-        <p:spPr/>
-        <p:txBody>
-          <a:bodyPr/>
-          <a:lstStyle/>
-          <a:p>
-            <a:r>
-              <a:rPr lang="zh-TW" altLang="en-US" b="1" i="0" dirty="0">
-                <a:solidFill>
-                  <a:srgbClr val="333333"/>
-                </a:solidFill>
-                <a:effectLst/>
-                <a:latin typeface="Helvetica Neue"/>
-              </a:rPr>
-              <a:t> 查詢顯示物件與刪除物件</a:t>
-            </a:r>
-            <a:endParaRPr lang="zh-TW" altLang="en-US" dirty="0"/>
-          </a:p>
-        </p:txBody>
-      </p:sp>
-      <p:sp>
-        <p:nvSpPr>
-          <p:cNvPr id="3" name="內容版面配置區 2">
-            <a:extLst>
-              <a:ext uri="{FF2B5EF4-FFF2-40B4-BE49-F238E27FC236}">
-                <a16:creationId xmlns:a16="http://schemas.microsoft.com/office/drawing/2014/main" id="{2F4B6586-B8B2-4966-A4BD-9383A37EB0BA}"/>
-              </a:ext>
-            </a:extLst>
-          </p:cNvPr>
-          <p:cNvSpPr>
-            <a:spLocks noGrp="1"/>
-          </p:cNvSpPr>
-          <p:nvPr>
-            <p:ph idx="1"/>
-          </p:nvPr>
-        </p:nvSpPr>
-        <p:spPr>
-          <a:xfrm>
-            <a:off x="838200" y="1825625"/>
-            <a:ext cx="5140569" cy="4351338"/>
-          </a:xfrm>
-        </p:spPr>
-        <p:txBody>
-          <a:bodyPr/>
-          <a:lstStyle/>
-          <a:p>
-            <a:pPr marL="0" indent="0">
-              <a:buNone/>
-            </a:pPr>
-            <a:r>
-              <a:rPr lang="zh-TW" altLang="en-US" b="0" i="0" dirty="0">
-                <a:solidFill>
-                  <a:srgbClr val="333333"/>
-                </a:solidFill>
-                <a:effectLst/>
-                <a:latin typeface="Helvetica Neue"/>
-              </a:rPr>
-              <a:t>在我們已經指派了某個變項後，此時他會暫存</a:t>
-            </a:r>
-            <a:r>
-              <a:rPr lang="en-US" altLang="zh-TW" b="0" i="0" dirty="0">
-                <a:solidFill>
-                  <a:srgbClr val="333333"/>
-                </a:solidFill>
-                <a:effectLst/>
-                <a:latin typeface="Helvetica Neue"/>
-              </a:rPr>
-              <a:t>R</a:t>
-            </a:r>
-            <a:r>
-              <a:rPr lang="zh-TW" altLang="en-US" b="0" i="0" dirty="0">
-                <a:solidFill>
-                  <a:srgbClr val="333333"/>
-                </a:solidFill>
-                <a:effectLst/>
-                <a:latin typeface="Helvetica Neue"/>
-              </a:rPr>
-              <a:t>語言的環境當中， </a:t>
-            </a:r>
-            <a:endParaRPr lang="en-US" altLang="zh-TW" b="0" i="0" dirty="0">
-              <a:solidFill>
-                <a:srgbClr val="333333"/>
-              </a:solidFill>
-              <a:effectLst/>
-              <a:latin typeface="Helvetica Neue"/>
-            </a:endParaRPr>
-          </a:p>
-          <a:p>
-            <a:endParaRPr lang="en-US" altLang="zh-TW" dirty="0">
-              <a:solidFill>
-                <a:srgbClr val="333333"/>
-              </a:solidFill>
-              <a:latin typeface="Helvetica Neue"/>
-            </a:endParaRPr>
-          </a:p>
-          <a:p>
-            <a:pPr marL="0" indent="0">
-              <a:buNone/>
-            </a:pPr>
-            <a:r>
-              <a:rPr lang="zh-TW" altLang="en-US" b="0" i="0" dirty="0">
-                <a:solidFill>
-                  <a:srgbClr val="333333"/>
-                </a:solidFill>
-                <a:effectLst/>
-                <a:latin typeface="Helvetica Neue"/>
-              </a:rPr>
-              <a:t>在此我們先重新指派</a:t>
-            </a:r>
-            <a:r>
-              <a:rPr lang="en-US" altLang="zh-TW" b="0" i="0" dirty="0">
-                <a:solidFill>
-                  <a:srgbClr val="333333"/>
-                </a:solidFill>
-                <a:effectLst/>
-                <a:latin typeface="Helvetica Neue"/>
-              </a:rPr>
-              <a:t>a</a:t>
-            </a:r>
-            <a:r>
-              <a:rPr lang="zh-TW" altLang="en-US" b="0" i="0" dirty="0">
-                <a:solidFill>
-                  <a:srgbClr val="333333"/>
-                </a:solidFill>
-                <a:effectLst/>
-                <a:latin typeface="Helvetica Neue"/>
-              </a:rPr>
-              <a:t>、</a:t>
-            </a:r>
-            <a:r>
-              <a:rPr lang="en-US" altLang="zh-TW" b="0" i="0" dirty="0">
-                <a:solidFill>
-                  <a:srgbClr val="333333"/>
-                </a:solidFill>
-                <a:effectLst/>
-                <a:latin typeface="Helvetica Neue"/>
-              </a:rPr>
-              <a:t>b</a:t>
-            </a:r>
-            <a:r>
-              <a:rPr lang="zh-TW" altLang="en-US" b="0" i="0" dirty="0">
-                <a:solidFill>
-                  <a:srgbClr val="333333"/>
-                </a:solidFill>
-                <a:effectLst/>
-                <a:latin typeface="Helvetica Neue"/>
-              </a:rPr>
-              <a:t>、</a:t>
-            </a:r>
-            <a:r>
-              <a:rPr lang="en-US" altLang="zh-TW" b="0" i="0" dirty="0">
-                <a:solidFill>
-                  <a:srgbClr val="333333"/>
-                </a:solidFill>
-                <a:effectLst/>
-                <a:latin typeface="Helvetica Neue"/>
-              </a:rPr>
-              <a:t>c</a:t>
-            </a:r>
-          </a:p>
-          <a:p>
-            <a:endParaRPr lang="en-US" altLang="zh-TW" dirty="0">
-              <a:solidFill>
-                <a:srgbClr val="333333"/>
-              </a:solidFill>
-              <a:latin typeface="Helvetica Neue"/>
-            </a:endParaRPr>
-          </a:p>
-          <a:p>
-            <a:pPr marL="0" indent="0">
-              <a:buNone/>
-            </a:pPr>
-            <a:r>
-              <a:rPr lang="en-US" altLang="zh-TW" b="0" i="0" dirty="0">
-                <a:solidFill>
-                  <a:srgbClr val="333333"/>
-                </a:solidFill>
-                <a:effectLst/>
-                <a:latin typeface="Helvetica Neue"/>
-              </a:rPr>
-              <a:t>(</a:t>
-            </a:r>
-            <a:r>
-              <a:rPr lang="zh-TW" altLang="en-US" b="0" i="0" dirty="0">
-                <a:solidFill>
-                  <a:srgbClr val="333333"/>
-                </a:solidFill>
-                <a:effectLst/>
-                <a:latin typeface="Helvetica Neue"/>
-              </a:rPr>
-              <a:t>注意，相同變項名稱，後續指派會取代前面指派的</a:t>
-            </a:r>
-            <a:r>
-              <a:rPr lang="en-US" altLang="zh-TW" b="0" i="0" dirty="0">
-                <a:solidFill>
-                  <a:srgbClr val="333333"/>
-                </a:solidFill>
-                <a:effectLst/>
-                <a:latin typeface="Helvetica Neue"/>
-              </a:rPr>
-              <a:t>)</a:t>
-            </a:r>
-            <a:r>
-              <a:rPr lang="zh-TW" altLang="en-US" b="0" i="0" dirty="0">
-                <a:solidFill>
-                  <a:srgbClr val="333333"/>
-                </a:solidFill>
-                <a:effectLst/>
-                <a:latin typeface="Helvetica Neue"/>
-              </a:rPr>
-              <a:t>。</a:t>
-            </a:r>
-            <a:endParaRPr lang="zh-TW" altLang="en-US" dirty="0"/>
-          </a:p>
-        </p:txBody>
-      </p:sp>
-      <p:pic>
-        <p:nvPicPr>
-          <p:cNvPr id="5" name="圖片 4">
-            <a:extLst>
-              <a:ext uri="{FF2B5EF4-FFF2-40B4-BE49-F238E27FC236}">
-                <a16:creationId xmlns:a16="http://schemas.microsoft.com/office/drawing/2014/main" id="{8C4193FC-1CE1-438E-AC86-6F932D2BDA32}"/>
-              </a:ext>
-            </a:extLst>
-          </p:cNvPr>
-          <p:cNvPicPr>
-            <a:picLocks noChangeAspect="1"/>
-          </p:cNvPicPr>
-          <p:nvPr/>
-        </p:nvPicPr>
-        <p:blipFill>
-          <a:blip r:embed="rId2"/>
-          <a:stretch>
-            <a:fillRect/>
-          </a:stretch>
-        </p:blipFill>
-        <p:spPr>
-          <a:xfrm>
-            <a:off x="7114233" y="1476501"/>
-            <a:ext cx="2448624" cy="1952499"/>
-          </a:xfrm>
-          <a:prstGeom prst="rect">
-            <a:avLst/>
-          </a:prstGeom>
-        </p:spPr>
-      </p:pic>
-      <p:pic>
-        <p:nvPicPr>
-          <p:cNvPr id="7" name="圖片 6">
-            <a:extLst>
-              <a:ext uri="{FF2B5EF4-FFF2-40B4-BE49-F238E27FC236}">
-                <a16:creationId xmlns:a16="http://schemas.microsoft.com/office/drawing/2014/main" id="{4E2E09A9-F9A9-4002-BC40-CEB2E1B81CEB}"/>
-              </a:ext>
-            </a:extLst>
-          </p:cNvPr>
-          <p:cNvPicPr>
-            <a:picLocks noChangeAspect="1"/>
-          </p:cNvPicPr>
-          <p:nvPr/>
-        </p:nvPicPr>
-        <p:blipFill>
-          <a:blip r:embed="rId3"/>
-          <a:stretch>
-            <a:fillRect/>
-          </a:stretch>
-        </p:blipFill>
-        <p:spPr>
-          <a:xfrm>
-            <a:off x="7114233" y="3621478"/>
-            <a:ext cx="3788229" cy="2871397"/>
-          </a:xfrm>
-          <a:prstGeom prst="rect">
-            <a:avLst/>
-          </a:prstGeom>
-        </p:spPr>
-      </p:pic>
-    </p:spTree>
-    <p:extLst>
-      <p:ext uri="{BB962C8B-B14F-4D97-AF65-F5344CB8AC3E}">
-        <p14:creationId xmlns:p14="http://schemas.microsoft.com/office/powerpoint/2010/main" val="3795764564"/>
-      </p:ext>
-    </p:extLst>
-  </p:cSld>
-  <p:clrMapOvr>
-    <a:masterClrMapping/>
-  </p:clrMapOvr>
-</p:sld>
-</file>
-
-<file path=ppt/slides/slide9.xml><?xml version="1.0" encoding="utf-8"?>
-<p:sld xmlns:a="http://schemas.openxmlformats.org/drawingml/2006/main" xmlns:r="http://schemas.openxmlformats.org/officeDocument/2006/relationships" xmlns:p="http://schemas.openxmlformats.org/presentationml/2006/main">
-  <p:cSld>
-    <p:spTree>
-      <p:nvGrpSpPr>
-        <p:cNvPr id="1" name=""/>
-        <p:cNvGrpSpPr/>
-        <p:nvPr/>
-      </p:nvGrpSpPr>
-      <p:grpSpPr>
-        <a:xfrm>
-          <a:off x="0" y="0"/>
-          <a:ext cx="0" cy="0"/>
-          <a:chOff x="0" y="0"/>
-          <a:chExt cx="0" cy="0"/>
-        </a:xfrm>
-      </p:grpSpPr>
-      <p:sp>
-        <p:nvSpPr>
-          <p:cNvPr id="3" name="內容版面配置區 2">
-            <a:extLst>
-              <a:ext uri="{FF2B5EF4-FFF2-40B4-BE49-F238E27FC236}">
-                <a16:creationId xmlns:a16="http://schemas.microsoft.com/office/drawing/2014/main" id="{314F9072-2AA9-48FA-8278-683F0C8AE19A}"/>
-              </a:ext>
-            </a:extLst>
-          </p:cNvPr>
-          <p:cNvSpPr>
-            <a:spLocks noGrp="1"/>
-          </p:cNvSpPr>
-          <p:nvPr>
-            <p:ph idx="1"/>
-          </p:nvPr>
-        </p:nvSpPr>
-        <p:spPr>
-          <a:xfrm>
-            <a:off x="657330" y="1001660"/>
-            <a:ext cx="10265229" cy="1078349"/>
-          </a:xfrm>
-        </p:spPr>
-        <p:txBody>
-          <a:bodyPr/>
-          <a:lstStyle/>
-          <a:p>
-            <a:r>
-              <a:rPr lang="zh-TW" altLang="en-US" dirty="0"/>
-              <a:t>若是我們想要查看</a:t>
-            </a:r>
-            <a:r>
-              <a:rPr lang="en-US" altLang="zh-TW" dirty="0"/>
-              <a:t>/</a:t>
-            </a:r>
-            <a:r>
-              <a:rPr lang="zh-TW" altLang="en-US" dirty="0"/>
-              <a:t>輸出「</a:t>
-            </a:r>
-            <a:r>
-              <a:rPr lang="en-US" altLang="zh-TW" dirty="0"/>
-              <a:t>a</a:t>
-            </a:r>
-            <a:r>
-              <a:rPr lang="zh-TW" altLang="en-US" dirty="0"/>
-              <a:t>」當中的內容，可以直接打物件名稱或著用</a:t>
-            </a:r>
-            <a:r>
-              <a:rPr lang="en-US" altLang="zh-TW" dirty="0"/>
-              <a:t>print()</a:t>
-            </a:r>
-            <a:r>
-              <a:rPr lang="zh-TW" altLang="en-US" dirty="0"/>
-              <a:t>函數輸出。</a:t>
-            </a:r>
-          </a:p>
-        </p:txBody>
-      </p:sp>
-      <p:pic>
-        <p:nvPicPr>
-          <p:cNvPr id="6" name="圖片 5">
-            <a:extLst>
-              <a:ext uri="{FF2B5EF4-FFF2-40B4-BE49-F238E27FC236}">
-                <a16:creationId xmlns:a16="http://schemas.microsoft.com/office/drawing/2014/main" id="{8E497E8C-2FED-4DD0-B412-A8C65270CD65}"/>
-              </a:ext>
-            </a:extLst>
-          </p:cNvPr>
-          <p:cNvPicPr>
-            <a:picLocks noChangeAspect="1"/>
-          </p:cNvPicPr>
-          <p:nvPr/>
-        </p:nvPicPr>
-        <p:blipFill>
-          <a:blip r:embed="rId2"/>
-          <a:stretch>
-            <a:fillRect/>
-          </a:stretch>
-        </p:blipFill>
-        <p:spPr>
-          <a:xfrm>
-            <a:off x="958781" y="2623756"/>
-            <a:ext cx="3151055" cy="3431147"/>
-          </a:xfrm>
-          <a:prstGeom prst="rect">
-            <a:avLst/>
-          </a:prstGeom>
-        </p:spPr>
-      </p:pic>
-      <p:pic>
-        <p:nvPicPr>
-          <p:cNvPr id="8" name="圖片 7">
-            <a:extLst>
-              <a:ext uri="{FF2B5EF4-FFF2-40B4-BE49-F238E27FC236}">
-                <a16:creationId xmlns:a16="http://schemas.microsoft.com/office/drawing/2014/main" id="{72009DB5-6537-41BE-B992-4EDD0B847672}"/>
-              </a:ext>
-            </a:extLst>
-          </p:cNvPr>
-          <p:cNvPicPr>
-            <a:picLocks noChangeAspect="1"/>
-          </p:cNvPicPr>
-          <p:nvPr/>
-        </p:nvPicPr>
-        <p:blipFill>
-          <a:blip r:embed="rId3"/>
-          <a:stretch>
-            <a:fillRect/>
-          </a:stretch>
-        </p:blipFill>
-        <p:spPr>
-          <a:xfrm>
-            <a:off x="5209302" y="2712318"/>
-            <a:ext cx="4889291" cy="3254022"/>
-          </a:xfrm>
-          <a:prstGeom prst="rect">
-            <a:avLst/>
-          </a:prstGeom>
-        </p:spPr>
-      </p:pic>
-    </p:spTree>
-    <p:extLst>
-      <p:ext uri="{BB962C8B-B14F-4D97-AF65-F5344CB8AC3E}">
-        <p14:creationId xmlns:p14="http://schemas.microsoft.com/office/powerpoint/2010/main" val="1444134170"/>
       </p:ext>
     </p:extLst>
   </p:cSld>
@@ -14363,6 +14937,12 @@
 </file>
 
 <file path=ppt/tags/tag18.xml><?xml version="1.0" encoding="utf-8"?>
+<p:tagLst xmlns:a="http://schemas.openxmlformats.org/drawingml/2006/main" xmlns:r="http://schemas.openxmlformats.org/officeDocument/2006/relationships" xmlns:p="http://schemas.openxmlformats.org/presentationml/2006/main">
+  <p:tag name="AMA" val="2.1"/>
+</p:tagLst>
+</file>
+
+<file path=ppt/tags/tag19.xml><?xml version="1.0" encoding="utf-8"?>
 <p:tagLst xmlns:a="http://schemas.openxmlformats.org/drawingml/2006/main" xmlns:r="http://schemas.openxmlformats.org/officeDocument/2006/relationships" xmlns:p="http://schemas.openxmlformats.org/presentationml/2006/main">
   <p:tag name="AMA" val="2.1"/>
 </p:tagLst>
